--- a/Ppt-on-CMS.pptx
+++ b/Ppt-on-CMS.pptx
@@ -5,7 +5,7 @@
     <p:sldMasterId id="2147483659" r:id="rId1"/>
   </p:sldMasterIdLst>
   <p:notesMasterIdLst>
-    <p:notesMasterId r:id="rId18"/>
+    <p:notesMasterId r:id="rId22"/>
   </p:notesMasterIdLst>
   <p:sldIdLst>
     <p:sldId id="256" r:id="rId2"/>
@@ -15,29 +15,33 @@
     <p:sldId id="260" r:id="rId6"/>
     <p:sldId id="261" r:id="rId7"/>
     <p:sldId id="262" r:id="rId8"/>
-    <p:sldId id="263" r:id="rId9"/>
-    <p:sldId id="264" r:id="rId10"/>
-    <p:sldId id="265" r:id="rId11"/>
-    <p:sldId id="266" r:id="rId12"/>
-    <p:sldId id="267" r:id="rId13"/>
-    <p:sldId id="268" r:id="rId14"/>
-    <p:sldId id="269" r:id="rId15"/>
-    <p:sldId id="270" r:id="rId16"/>
-    <p:sldId id="271" r:id="rId17"/>
+    <p:sldId id="264" r:id="rId9"/>
+    <p:sldId id="265" r:id="rId10"/>
+    <p:sldId id="266" r:id="rId11"/>
+    <p:sldId id="267" r:id="rId12"/>
+    <p:sldId id="268" r:id="rId13"/>
+    <p:sldId id="269" r:id="rId14"/>
+    <p:sldId id="273" r:id="rId15"/>
+    <p:sldId id="274" r:id="rId16"/>
+    <p:sldId id="275" r:id="rId17"/>
+    <p:sldId id="270" r:id="rId18"/>
+    <p:sldId id="276" r:id="rId19"/>
+    <p:sldId id="272" r:id="rId20"/>
+    <p:sldId id="271" r:id="rId21"/>
   </p:sldIdLst>
   <p:sldSz cx="9144000" cy="5143500" type="screen16x9"/>
   <p:notesSz cx="6858000" cy="9144000"/>
   <p:embeddedFontLst>
     <p:embeddedFont>
       <p:font typeface="Proxima Nova" panose="020B0604020202020204" charset="0"/>
-      <p:regular r:id="rId19"/>
-      <p:bold r:id="rId20"/>
-      <p:italic r:id="rId21"/>
-      <p:boldItalic r:id="rId22"/>
+      <p:regular r:id="rId23"/>
+      <p:bold r:id="rId24"/>
+      <p:italic r:id="rId25"/>
+      <p:boldItalic r:id="rId26"/>
     </p:embeddedFont>
     <p:embeddedFont>
       <p:font typeface="Proxima Nova Extrabold" panose="020B0604020202020204" charset="0"/>
-      <p:bold r:id="rId23"/>
+      <p:bold r:id="rId27"/>
     </p:embeddedFont>
   </p:embeddedFontLst>
   <p:defaultTextStyle>
@@ -991,110 +995,6 @@
   <p:cSld>
     <p:spTree>
       <p:nvGrpSpPr>
-        <p:cNvPr id="1" name="Shape 123"/>
-        <p:cNvGrpSpPr/>
-        <p:nvPr/>
-      </p:nvGrpSpPr>
-      <p:grpSpPr>
-        <a:xfrm>
-          <a:off x="0" y="0"/>
-          <a:ext cx="0" cy="0"/>
-          <a:chOff x="0" y="0"/>
-          <a:chExt cx="0" cy="0"/>
-        </a:xfrm>
-      </p:grpSpPr>
-      <p:sp>
-        <p:nvSpPr>
-          <p:cNvPr id="124" name="Google Shape;124;g2454ff741e0_0_62:notes"/>
-          <p:cNvSpPr>
-            <a:spLocks noGrp="1" noRot="1" noChangeAspect="1"/>
-          </p:cNvSpPr>
-          <p:nvPr>
-            <p:ph type="sldImg" idx="2"/>
-          </p:nvPr>
-        </p:nvSpPr>
-        <p:spPr>
-          <a:xfrm>
-            <a:off x="381300" y="685800"/>
-            <a:ext cx="6096000" cy="3429000"/>
-          </a:xfrm>
-          <a:custGeom>
-            <a:avLst/>
-            <a:gdLst/>
-            <a:ahLst/>
-            <a:cxnLst/>
-            <a:rect l="l" t="t" r="r" b="b"/>
-            <a:pathLst>
-              <a:path w="120000" h="120000" extrusionOk="0">
-                <a:moveTo>
-                  <a:pt x="0" y="0"/>
-                </a:moveTo>
-                <a:lnTo>
-                  <a:pt x="120000" y="0"/>
-                </a:lnTo>
-                <a:lnTo>
-                  <a:pt x="120000" y="120000"/>
-                </a:lnTo>
-                <a:lnTo>
-                  <a:pt x="0" y="120000"/>
-                </a:lnTo>
-                <a:close/>
-              </a:path>
-            </a:pathLst>
-          </a:custGeom>
-        </p:spPr>
-      </p:sp>
-      <p:sp>
-        <p:nvSpPr>
-          <p:cNvPr id="125" name="Google Shape;125;g2454ff741e0_0_62:notes"/>
-          <p:cNvSpPr txBox="1">
-            <a:spLocks noGrp="1"/>
-          </p:cNvSpPr>
-          <p:nvPr>
-            <p:ph type="body" idx="1"/>
-          </p:nvPr>
-        </p:nvSpPr>
-        <p:spPr>
-          <a:xfrm>
-            <a:off x="685800" y="4343400"/>
-            <a:ext cx="5486400" cy="4114800"/>
-          </a:xfrm>
-          <a:prstGeom prst="rect">
-            <a:avLst/>
-          </a:prstGeom>
-        </p:spPr>
-        <p:txBody>
-          <a:bodyPr spcFirstLastPara="1" wrap="square" lIns="91425" tIns="91425" rIns="91425" bIns="91425" anchor="t" anchorCtr="0">
-            <a:noAutofit/>
-          </a:bodyPr>
-          <a:lstStyle/>
-          <a:p>
-            <a:pPr marL="0" lvl="0" indent="0" algn="l" rtl="0">
-              <a:spcBef>
-                <a:spcPts val="0"/>
-              </a:spcBef>
-              <a:spcAft>
-                <a:spcPts val="0"/>
-              </a:spcAft>
-              <a:buNone/>
-            </a:pPr>
-            <a:endParaRPr/>
-          </a:p>
-        </p:txBody>
-      </p:sp>
-    </p:spTree>
-  </p:cSld>
-  <p:clrMapOvr>
-    <a:masterClrMapping/>
-  </p:clrMapOvr>
-</p:notes>
-</file>
-
-<file path=ppt/notesSlides/notesSlide11.xml><?xml version="1.0" encoding="utf-8"?>
-<p:notes xmlns:a="http://schemas.openxmlformats.org/drawingml/2006/main" xmlns:r="http://schemas.openxmlformats.org/officeDocument/2006/relationships" xmlns:p="http://schemas.openxmlformats.org/presentationml/2006/main" showMasterSp="0" showMasterPhAnim="0">
-  <p:cSld>
-    <p:spTree>
-      <p:nvGrpSpPr>
         <p:cNvPr id="1" name="Shape 129"/>
         <p:cNvGrpSpPr/>
         <p:nvPr/>
@@ -1194,7 +1094,7 @@
 </p:notes>
 </file>
 
-<file path=ppt/notesSlides/notesSlide12.xml><?xml version="1.0" encoding="utf-8"?>
+<file path=ppt/notesSlides/notesSlide11.xml><?xml version="1.0" encoding="utf-8"?>
 <p:notes xmlns:a="http://schemas.openxmlformats.org/drawingml/2006/main" xmlns:r="http://schemas.openxmlformats.org/officeDocument/2006/relationships" xmlns:p="http://schemas.openxmlformats.org/presentationml/2006/main" showMasterSp="0" showMasterPhAnim="0">
   <p:cSld>
     <p:spTree>
@@ -1298,7 +1198,7 @@
 </p:notes>
 </file>
 
-<file path=ppt/notesSlides/notesSlide13.xml><?xml version="1.0" encoding="utf-8"?>
+<file path=ppt/notesSlides/notesSlide12.xml><?xml version="1.0" encoding="utf-8"?>
 <p:notes xmlns:a="http://schemas.openxmlformats.org/drawingml/2006/main" xmlns:r="http://schemas.openxmlformats.org/officeDocument/2006/relationships" xmlns:p="http://schemas.openxmlformats.org/presentationml/2006/main" showMasterSp="0" showMasterPhAnim="0">
   <p:cSld>
     <p:spTree>
@@ -1402,7 +1302,7 @@
 </p:notes>
 </file>
 
-<file path=ppt/notesSlides/notesSlide14.xml><?xml version="1.0" encoding="utf-8"?>
+<file path=ppt/notesSlides/notesSlide13.xml><?xml version="1.0" encoding="utf-8"?>
 <p:notes xmlns:a="http://schemas.openxmlformats.org/drawingml/2006/main" xmlns:r="http://schemas.openxmlformats.org/officeDocument/2006/relationships" xmlns:p="http://schemas.openxmlformats.org/presentationml/2006/main" showMasterSp="0" showMasterPhAnim="0">
   <p:cSld>
     <p:spTree>
@@ -1506,7 +1406,7 @@
 </p:notes>
 </file>
 
-<file path=ppt/notesSlides/notesSlide15.xml><?xml version="1.0" encoding="utf-8"?>
+<file path=ppt/notesSlides/notesSlide14.xml><?xml version="1.0" encoding="utf-8"?>
 <p:notes xmlns:a="http://schemas.openxmlformats.org/drawingml/2006/main" xmlns:r="http://schemas.openxmlformats.org/officeDocument/2006/relationships" xmlns:p="http://schemas.openxmlformats.org/presentationml/2006/main" showMasterSp="0" showMasterPhAnim="0">
   <p:cSld>
     <p:spTree>
@@ -1610,7 +1510,7 @@
 </p:notes>
 </file>
 
-<file path=ppt/notesSlides/notesSlide16.xml><?xml version="1.0" encoding="utf-8"?>
+<file path=ppt/notesSlides/notesSlide15.xml><?xml version="1.0" encoding="utf-8"?>
 <p:notes xmlns:a="http://schemas.openxmlformats.org/drawingml/2006/main" xmlns:r="http://schemas.openxmlformats.org/officeDocument/2006/relationships" xmlns:p="http://schemas.openxmlformats.org/presentationml/2006/main" showMasterSp="0" showMasterPhAnim="0">
   <p:cSld>
     <p:spTree>
@@ -1743,7 +1643,7 @@
         </p:nvSpPr>
         <p:spPr>
           <a:xfrm>
-            <a:off x="381300" y="685800"/>
+            <a:off x="381000" y="685800"/>
             <a:ext cx="6096000" cy="3429000"/>
           </a:xfrm>
           <a:custGeom>
@@ -2361,110 +2261,6 @@
   <p:cSld>
     <p:spTree>
       <p:nvGrpSpPr>
-        <p:cNvPr id="1" name="Shape 108"/>
-        <p:cNvGrpSpPr/>
-        <p:nvPr/>
-      </p:nvGrpSpPr>
-      <p:grpSpPr>
-        <a:xfrm>
-          <a:off x="0" y="0"/>
-          <a:ext cx="0" cy="0"/>
-          <a:chOff x="0" y="0"/>
-          <a:chExt cx="0" cy="0"/>
-        </a:xfrm>
-      </p:grpSpPr>
-      <p:sp>
-        <p:nvSpPr>
-          <p:cNvPr id="109" name="Google Shape;109;g2454ff741e0_0_49:notes"/>
-          <p:cNvSpPr>
-            <a:spLocks noGrp="1" noRot="1" noChangeAspect="1"/>
-          </p:cNvSpPr>
-          <p:nvPr>
-            <p:ph type="sldImg" idx="2"/>
-          </p:nvPr>
-        </p:nvSpPr>
-        <p:spPr>
-          <a:xfrm>
-            <a:off x="381300" y="685800"/>
-            <a:ext cx="6096000" cy="3429000"/>
-          </a:xfrm>
-          <a:custGeom>
-            <a:avLst/>
-            <a:gdLst/>
-            <a:ahLst/>
-            <a:cxnLst/>
-            <a:rect l="l" t="t" r="r" b="b"/>
-            <a:pathLst>
-              <a:path w="120000" h="120000" extrusionOk="0">
-                <a:moveTo>
-                  <a:pt x="0" y="0"/>
-                </a:moveTo>
-                <a:lnTo>
-                  <a:pt x="120000" y="0"/>
-                </a:lnTo>
-                <a:lnTo>
-                  <a:pt x="120000" y="120000"/>
-                </a:lnTo>
-                <a:lnTo>
-                  <a:pt x="0" y="120000"/>
-                </a:lnTo>
-                <a:close/>
-              </a:path>
-            </a:pathLst>
-          </a:custGeom>
-        </p:spPr>
-      </p:sp>
-      <p:sp>
-        <p:nvSpPr>
-          <p:cNvPr id="110" name="Google Shape;110;g2454ff741e0_0_49:notes"/>
-          <p:cNvSpPr txBox="1">
-            <a:spLocks noGrp="1"/>
-          </p:cNvSpPr>
-          <p:nvPr>
-            <p:ph type="body" idx="1"/>
-          </p:nvPr>
-        </p:nvSpPr>
-        <p:spPr>
-          <a:xfrm>
-            <a:off x="685800" y="4343400"/>
-            <a:ext cx="5486400" cy="4114800"/>
-          </a:xfrm>
-          <a:prstGeom prst="rect">
-            <a:avLst/>
-          </a:prstGeom>
-        </p:spPr>
-        <p:txBody>
-          <a:bodyPr spcFirstLastPara="1" wrap="square" lIns="91425" tIns="91425" rIns="91425" bIns="91425" anchor="t" anchorCtr="0">
-            <a:noAutofit/>
-          </a:bodyPr>
-          <a:lstStyle/>
-          <a:p>
-            <a:pPr marL="0" lvl="0" indent="0" algn="l" rtl="0">
-              <a:spcBef>
-                <a:spcPts val="0"/>
-              </a:spcBef>
-              <a:spcAft>
-                <a:spcPts val="0"/>
-              </a:spcAft>
-              <a:buNone/>
-            </a:pPr>
-            <a:endParaRPr/>
-          </a:p>
-        </p:txBody>
-      </p:sp>
-    </p:spTree>
-  </p:cSld>
-  <p:clrMapOvr>
-    <a:masterClrMapping/>
-  </p:clrMapOvr>
-</p:notes>
-</file>
-
-<file path=ppt/notesSlides/notesSlide9.xml><?xml version="1.0" encoding="utf-8"?>
-<p:notes xmlns:a="http://schemas.openxmlformats.org/drawingml/2006/main" xmlns:r="http://schemas.openxmlformats.org/officeDocument/2006/relationships" xmlns:p="http://schemas.openxmlformats.org/presentationml/2006/main" showMasterSp="0" showMasterPhAnim="0">
-  <p:cSld>
-    <p:spTree>
-      <p:nvGrpSpPr>
         <p:cNvPr id="1" name="Shape 116"/>
         <p:cNvGrpSpPr/>
         <p:nvPr/>
@@ -2521,6 +2317,110 @@
       <p:sp>
         <p:nvSpPr>
           <p:cNvPr id="118" name="Google Shape;118;g2454ff741e0_0_55:notes"/>
+          <p:cNvSpPr txBox="1">
+            <a:spLocks noGrp="1"/>
+          </p:cNvSpPr>
+          <p:nvPr>
+            <p:ph type="body" idx="1"/>
+          </p:nvPr>
+        </p:nvSpPr>
+        <p:spPr>
+          <a:xfrm>
+            <a:off x="685800" y="4343400"/>
+            <a:ext cx="5486400" cy="4114800"/>
+          </a:xfrm>
+          <a:prstGeom prst="rect">
+            <a:avLst/>
+          </a:prstGeom>
+        </p:spPr>
+        <p:txBody>
+          <a:bodyPr spcFirstLastPara="1" wrap="square" lIns="91425" tIns="91425" rIns="91425" bIns="91425" anchor="t" anchorCtr="0">
+            <a:noAutofit/>
+          </a:bodyPr>
+          <a:lstStyle/>
+          <a:p>
+            <a:pPr marL="0" lvl="0" indent="0" algn="l" rtl="0">
+              <a:spcBef>
+                <a:spcPts val="0"/>
+              </a:spcBef>
+              <a:spcAft>
+                <a:spcPts val="0"/>
+              </a:spcAft>
+              <a:buNone/>
+            </a:pPr>
+            <a:endParaRPr/>
+          </a:p>
+        </p:txBody>
+      </p:sp>
+    </p:spTree>
+  </p:cSld>
+  <p:clrMapOvr>
+    <a:masterClrMapping/>
+  </p:clrMapOvr>
+</p:notes>
+</file>
+
+<file path=ppt/notesSlides/notesSlide9.xml><?xml version="1.0" encoding="utf-8"?>
+<p:notes xmlns:a="http://schemas.openxmlformats.org/drawingml/2006/main" xmlns:r="http://schemas.openxmlformats.org/officeDocument/2006/relationships" xmlns:p="http://schemas.openxmlformats.org/presentationml/2006/main" showMasterSp="0" showMasterPhAnim="0">
+  <p:cSld>
+    <p:spTree>
+      <p:nvGrpSpPr>
+        <p:cNvPr id="1" name="Shape 123"/>
+        <p:cNvGrpSpPr/>
+        <p:nvPr/>
+      </p:nvGrpSpPr>
+      <p:grpSpPr>
+        <a:xfrm>
+          <a:off x="0" y="0"/>
+          <a:ext cx="0" cy="0"/>
+          <a:chOff x="0" y="0"/>
+          <a:chExt cx="0" cy="0"/>
+        </a:xfrm>
+      </p:grpSpPr>
+      <p:sp>
+        <p:nvSpPr>
+          <p:cNvPr id="124" name="Google Shape;124;g2454ff741e0_0_62:notes"/>
+          <p:cNvSpPr>
+            <a:spLocks noGrp="1" noRot="1" noChangeAspect="1"/>
+          </p:cNvSpPr>
+          <p:nvPr>
+            <p:ph type="sldImg" idx="2"/>
+          </p:nvPr>
+        </p:nvSpPr>
+        <p:spPr>
+          <a:xfrm>
+            <a:off x="381000" y="685800"/>
+            <a:ext cx="6096000" cy="3429000"/>
+          </a:xfrm>
+          <a:custGeom>
+            <a:avLst/>
+            <a:gdLst/>
+            <a:ahLst/>
+            <a:cxnLst/>
+            <a:rect l="l" t="t" r="r" b="b"/>
+            <a:pathLst>
+              <a:path w="120000" h="120000" extrusionOk="0">
+                <a:moveTo>
+                  <a:pt x="0" y="0"/>
+                </a:moveTo>
+                <a:lnTo>
+                  <a:pt x="120000" y="0"/>
+                </a:lnTo>
+                <a:lnTo>
+                  <a:pt x="120000" y="120000"/>
+                </a:lnTo>
+                <a:lnTo>
+                  <a:pt x="0" y="120000"/>
+                </a:lnTo>
+                <a:close/>
+              </a:path>
+            </a:pathLst>
+          </a:custGeom>
+        </p:spPr>
+      </p:sp>
+      <p:sp>
+        <p:nvSpPr>
+          <p:cNvPr id="125" name="Google Shape;125;g2454ff741e0_0_62:notes"/>
           <p:cNvSpPr txBox="1">
             <a:spLocks noGrp="1"/>
           </p:cNvSpPr>
@@ -11253,605 +11153,6 @@
   <p:cSld>
     <p:spTree>
       <p:nvGrpSpPr>
-        <p:cNvPr id="1" name="Shape 126"/>
-        <p:cNvGrpSpPr/>
-        <p:nvPr/>
-      </p:nvGrpSpPr>
-      <p:grpSpPr>
-        <a:xfrm>
-          <a:off x="0" y="0"/>
-          <a:ext cx="0" cy="0"/>
-          <a:chOff x="0" y="0"/>
-          <a:chExt cx="0" cy="0"/>
-        </a:xfrm>
-      </p:grpSpPr>
-      <p:sp>
-        <p:nvSpPr>
-          <p:cNvPr id="127" name="Google Shape;127;p22"/>
-          <p:cNvSpPr txBox="1">
-            <a:spLocks noGrp="1"/>
-          </p:cNvSpPr>
-          <p:nvPr>
-            <p:ph type="title"/>
-          </p:nvPr>
-        </p:nvSpPr>
-        <p:spPr>
-          <a:xfrm>
-            <a:off x="118150" y="0"/>
-            <a:ext cx="8520600" cy="572700"/>
-          </a:xfrm>
-          <a:prstGeom prst="rect">
-            <a:avLst/>
-          </a:prstGeom>
-        </p:spPr>
-        <p:txBody>
-          <a:bodyPr spcFirstLastPara="1" wrap="square" lIns="91425" tIns="91425" rIns="91425" bIns="91425" anchor="t" anchorCtr="0">
-            <a:normAutofit fontScale="90000"/>
-          </a:bodyPr>
-          <a:lstStyle/>
-          <a:p>
-            <a:pPr marL="0" lvl="0" indent="0" algn="l" rtl="0">
-              <a:spcBef>
-                <a:spcPts val="0"/>
-              </a:spcBef>
-              <a:spcAft>
-                <a:spcPts val="0"/>
-              </a:spcAft>
-              <a:buNone/>
-            </a:pPr>
-            <a:r>
-              <a:rPr lang="en" sz="3300">
-                <a:latin typeface="Proxima Nova Extrabold"/>
-                <a:ea typeface="Proxima Nova Extrabold"/>
-                <a:cs typeface="Proxima Nova Extrabold"/>
-                <a:sym typeface="Proxima Nova Extrabold"/>
-              </a:rPr>
-              <a:t>Algorithm</a:t>
-            </a:r>
-            <a:endParaRPr sz="3300">
-              <a:latin typeface="Proxima Nova Extrabold"/>
-              <a:ea typeface="Proxima Nova Extrabold"/>
-              <a:cs typeface="Proxima Nova Extrabold"/>
-              <a:sym typeface="Proxima Nova Extrabold"/>
-            </a:endParaRPr>
-          </a:p>
-          <a:p>
-            <a:pPr marL="0" lvl="0" indent="0" algn="l" rtl="0">
-              <a:spcBef>
-                <a:spcPts val="0"/>
-              </a:spcBef>
-              <a:spcAft>
-                <a:spcPts val="0"/>
-              </a:spcAft>
-              <a:buNone/>
-            </a:pPr>
-            <a:endParaRPr/>
-          </a:p>
-          <a:p>
-            <a:pPr marL="0" lvl="0" indent="0" algn="l" rtl="0">
-              <a:spcBef>
-                <a:spcPts val="0"/>
-              </a:spcBef>
-              <a:spcAft>
-                <a:spcPts val="0"/>
-              </a:spcAft>
-              <a:buNone/>
-            </a:pPr>
-            <a:endParaRPr/>
-          </a:p>
-        </p:txBody>
-      </p:sp>
-      <p:sp>
-        <p:nvSpPr>
-          <p:cNvPr id="128" name="Google Shape;128;p22"/>
-          <p:cNvSpPr txBox="1">
-            <a:spLocks noGrp="1"/>
-          </p:cNvSpPr>
-          <p:nvPr>
-            <p:ph type="body" idx="1"/>
-          </p:nvPr>
-        </p:nvSpPr>
-        <p:spPr>
-          <a:xfrm>
-            <a:off x="214925" y="506175"/>
-            <a:ext cx="8827800" cy="4637400"/>
-          </a:xfrm>
-          <a:prstGeom prst="rect">
-            <a:avLst/>
-          </a:prstGeom>
-        </p:spPr>
-        <p:txBody>
-          <a:bodyPr spcFirstLastPara="1" wrap="square" lIns="91425" tIns="91425" rIns="91425" bIns="91425" anchor="t" anchorCtr="0">
-            <a:noAutofit/>
-          </a:bodyPr>
-          <a:lstStyle/>
-          <a:p>
-            <a:pPr marL="0" lvl="0" indent="0" algn="just" rtl="0">
-              <a:lnSpc>
-                <a:spcPct val="150000"/>
-              </a:lnSpc>
-              <a:spcBef>
-                <a:spcPts val="0"/>
-              </a:spcBef>
-              <a:spcAft>
-                <a:spcPts val="0"/>
-              </a:spcAft>
-              <a:buNone/>
-            </a:pPr>
-            <a:r>
-              <a:rPr lang="en" sz="1200">
-                <a:solidFill>
-                  <a:srgbClr val="000000"/>
-                </a:solidFill>
-              </a:rPr>
-              <a:t>Step 1: Start.</a:t>
-            </a:r>
-            <a:endParaRPr sz="1200">
-              <a:solidFill>
-                <a:srgbClr val="000000"/>
-              </a:solidFill>
-            </a:endParaRPr>
-          </a:p>
-          <a:p>
-            <a:pPr marL="0" lvl="0" indent="0" algn="just" rtl="0">
-              <a:lnSpc>
-                <a:spcPct val="150000"/>
-              </a:lnSpc>
-              <a:spcBef>
-                <a:spcPts val="0"/>
-              </a:spcBef>
-              <a:spcAft>
-                <a:spcPts val="0"/>
-              </a:spcAft>
-              <a:buNone/>
-            </a:pPr>
-            <a:r>
-              <a:rPr lang="en" sz="1200">
-                <a:solidFill>
-                  <a:srgbClr val="000000"/>
-                </a:solidFill>
-              </a:rPr>
-              <a:t>Step 2: Shows Main menu.</a:t>
-            </a:r>
-            <a:endParaRPr sz="1200">
-              <a:solidFill>
-                <a:srgbClr val="000000"/>
-              </a:solidFill>
-            </a:endParaRPr>
-          </a:p>
-          <a:p>
-            <a:pPr marL="0" lvl="0" indent="0" algn="just" rtl="0">
-              <a:lnSpc>
-                <a:spcPct val="150000"/>
-              </a:lnSpc>
-              <a:spcBef>
-                <a:spcPts val="0"/>
-              </a:spcBef>
-              <a:spcAft>
-                <a:spcPts val="0"/>
-              </a:spcAft>
-              <a:buNone/>
-            </a:pPr>
-            <a:r>
-              <a:rPr lang="en" sz="1200">
-                <a:solidFill>
-                  <a:srgbClr val="000000"/>
-                </a:solidFill>
-              </a:rPr>
-              <a:t>Step 3: Login</a:t>
-            </a:r>
-            <a:endParaRPr sz="1200">
-              <a:solidFill>
-                <a:srgbClr val="000000"/>
-              </a:solidFill>
-            </a:endParaRPr>
-          </a:p>
-          <a:p>
-            <a:pPr marL="457200" lvl="0" indent="-304800" algn="just" rtl="0">
-              <a:lnSpc>
-                <a:spcPct val="150000"/>
-              </a:lnSpc>
-              <a:spcBef>
-                <a:spcPts val="0"/>
-              </a:spcBef>
-              <a:spcAft>
-                <a:spcPts val="0"/>
-              </a:spcAft>
-              <a:buClr>
-                <a:srgbClr val="000000"/>
-              </a:buClr>
-              <a:buSzPts val="1200"/>
-              <a:buChar char="●"/>
-            </a:pPr>
-            <a:r>
-              <a:rPr lang="en" sz="1200">
-                <a:solidFill>
-                  <a:srgbClr val="000000"/>
-                </a:solidFill>
-              </a:rPr>
-              <a:t>Enter username and password</a:t>
-            </a:r>
-            <a:endParaRPr sz="1200">
-              <a:solidFill>
-                <a:srgbClr val="000000"/>
-              </a:solidFill>
-            </a:endParaRPr>
-          </a:p>
-          <a:p>
-            <a:pPr marL="0" lvl="0" indent="0" algn="just" rtl="0">
-              <a:lnSpc>
-                <a:spcPct val="150000"/>
-              </a:lnSpc>
-              <a:spcBef>
-                <a:spcPts val="0"/>
-              </a:spcBef>
-              <a:spcAft>
-                <a:spcPts val="0"/>
-              </a:spcAft>
-              <a:buNone/>
-            </a:pPr>
-            <a:r>
-              <a:rPr lang="en" sz="1200">
-                <a:solidFill>
-                  <a:srgbClr val="000000"/>
-                </a:solidFill>
-              </a:rPr>
-              <a:t>Step 3: For condition of menu program further shows option as:</a:t>
-            </a:r>
-            <a:endParaRPr sz="1200">
-              <a:solidFill>
-                <a:srgbClr val="000000"/>
-              </a:solidFill>
-            </a:endParaRPr>
-          </a:p>
-          <a:p>
-            <a:pPr marL="1485900" lvl="2" indent="-190500" algn="just" rtl="0">
-              <a:lnSpc>
-                <a:spcPct val="150000"/>
-              </a:lnSpc>
-              <a:spcBef>
-                <a:spcPts val="0"/>
-              </a:spcBef>
-              <a:spcAft>
-                <a:spcPts val="0"/>
-              </a:spcAft>
-              <a:buClr>
-                <a:srgbClr val="000000"/>
-              </a:buClr>
-              <a:buSzPts val="1200"/>
-              <a:buAutoNum type="arabicPeriod"/>
-            </a:pPr>
-            <a:r>
-              <a:rPr lang="en" sz="1200">
-                <a:solidFill>
-                  <a:srgbClr val="000000"/>
-                </a:solidFill>
-              </a:rPr>
-              <a:t>Add contacts </a:t>
-            </a:r>
-            <a:endParaRPr sz="1200">
-              <a:solidFill>
-                <a:srgbClr val="000000"/>
-              </a:solidFill>
-            </a:endParaRPr>
-          </a:p>
-          <a:p>
-            <a:pPr marL="1485900" lvl="2" indent="-190500" algn="just" rtl="0">
-              <a:lnSpc>
-                <a:spcPct val="150000"/>
-              </a:lnSpc>
-              <a:spcBef>
-                <a:spcPts val="0"/>
-              </a:spcBef>
-              <a:spcAft>
-                <a:spcPts val="0"/>
-              </a:spcAft>
-              <a:buClr>
-                <a:srgbClr val="000000"/>
-              </a:buClr>
-              <a:buSzPts val="1200"/>
-              <a:buAutoNum type="arabicPeriod"/>
-            </a:pPr>
-            <a:r>
-              <a:rPr lang="en" sz="1200">
-                <a:solidFill>
-                  <a:srgbClr val="000000"/>
-                </a:solidFill>
-              </a:rPr>
-              <a:t>Show available contacts</a:t>
-            </a:r>
-            <a:endParaRPr sz="1200">
-              <a:solidFill>
-                <a:srgbClr val="000000"/>
-              </a:solidFill>
-            </a:endParaRPr>
-          </a:p>
-          <a:p>
-            <a:pPr marL="1485900" lvl="2" indent="-190500" algn="just" rtl="0">
-              <a:lnSpc>
-                <a:spcPct val="150000"/>
-              </a:lnSpc>
-              <a:spcBef>
-                <a:spcPts val="0"/>
-              </a:spcBef>
-              <a:spcAft>
-                <a:spcPts val="0"/>
-              </a:spcAft>
-              <a:buClr>
-                <a:srgbClr val="000000"/>
-              </a:buClr>
-              <a:buSzPts val="1200"/>
-              <a:buAutoNum type="arabicPeriod"/>
-            </a:pPr>
-            <a:r>
-              <a:rPr lang="en" sz="1200">
-                <a:solidFill>
-                  <a:srgbClr val="000000"/>
-                </a:solidFill>
-              </a:rPr>
-              <a:t>Search contact</a:t>
-            </a:r>
-            <a:endParaRPr sz="1200">
-              <a:solidFill>
-                <a:srgbClr val="000000"/>
-              </a:solidFill>
-            </a:endParaRPr>
-          </a:p>
-          <a:p>
-            <a:pPr marL="1485900" lvl="2" indent="-190500" algn="just" rtl="0">
-              <a:lnSpc>
-                <a:spcPct val="150000"/>
-              </a:lnSpc>
-              <a:spcBef>
-                <a:spcPts val="0"/>
-              </a:spcBef>
-              <a:spcAft>
-                <a:spcPts val="0"/>
-              </a:spcAft>
-              <a:buClr>
-                <a:srgbClr val="000000"/>
-              </a:buClr>
-              <a:buSzPts val="1200"/>
-              <a:buAutoNum type="arabicPeriod"/>
-            </a:pPr>
-            <a:r>
-              <a:rPr lang="en" sz="1200">
-                <a:solidFill>
-                  <a:srgbClr val="000000"/>
-                </a:solidFill>
-              </a:rPr>
-              <a:t>Edit contact</a:t>
-            </a:r>
-            <a:endParaRPr sz="1200">
-              <a:solidFill>
-                <a:srgbClr val="000000"/>
-              </a:solidFill>
-            </a:endParaRPr>
-          </a:p>
-          <a:p>
-            <a:pPr marL="1485900" lvl="2" indent="-190500" algn="just" rtl="0">
-              <a:lnSpc>
-                <a:spcPct val="150000"/>
-              </a:lnSpc>
-              <a:spcBef>
-                <a:spcPts val="0"/>
-              </a:spcBef>
-              <a:spcAft>
-                <a:spcPts val="0"/>
-              </a:spcAft>
-              <a:buClr>
-                <a:srgbClr val="000000"/>
-              </a:buClr>
-              <a:buSzPts val="1200"/>
-              <a:buAutoNum type="arabicPeriod"/>
-            </a:pPr>
-            <a:r>
-              <a:rPr lang="en" sz="1200">
-                <a:solidFill>
-                  <a:srgbClr val="000000"/>
-                </a:solidFill>
-              </a:rPr>
-              <a:t>Delete contact</a:t>
-            </a:r>
-            <a:endParaRPr sz="1200">
-              <a:solidFill>
-                <a:srgbClr val="000000"/>
-              </a:solidFill>
-            </a:endParaRPr>
-          </a:p>
-          <a:p>
-            <a:pPr marL="1485900" lvl="2" indent="-190500" algn="just" rtl="0">
-              <a:lnSpc>
-                <a:spcPct val="150000"/>
-              </a:lnSpc>
-              <a:spcBef>
-                <a:spcPts val="0"/>
-              </a:spcBef>
-              <a:spcAft>
-                <a:spcPts val="0"/>
-              </a:spcAft>
-              <a:buClr>
-                <a:srgbClr val="000000"/>
-              </a:buClr>
-              <a:buSzPts val="1200"/>
-              <a:buAutoNum type="arabicPeriod"/>
-            </a:pPr>
-            <a:r>
-              <a:rPr lang="en" sz="1200">
-                <a:solidFill>
-                  <a:srgbClr val="000000"/>
-                </a:solidFill>
-              </a:rPr>
-              <a:t>Exit</a:t>
-            </a:r>
-            <a:endParaRPr sz="1200">
-              <a:solidFill>
-                <a:srgbClr val="000000"/>
-              </a:solidFill>
-            </a:endParaRPr>
-          </a:p>
-          <a:p>
-            <a:pPr marL="0" lvl="0" indent="0" algn="just" rtl="0">
-              <a:lnSpc>
-                <a:spcPct val="150000"/>
-              </a:lnSpc>
-              <a:spcBef>
-                <a:spcPts val="0"/>
-              </a:spcBef>
-              <a:spcAft>
-                <a:spcPts val="0"/>
-              </a:spcAft>
-              <a:buNone/>
-            </a:pPr>
-            <a:r>
-              <a:rPr lang="en" sz="1200">
-                <a:solidFill>
-                  <a:srgbClr val="000000"/>
-                </a:solidFill>
-              </a:rPr>
-              <a:t>Step 4: The program provides functions to run on the basis of options chosen by the user.</a:t>
-            </a:r>
-            <a:endParaRPr sz="1200">
-              <a:solidFill>
-                <a:srgbClr val="000000"/>
-              </a:solidFill>
-            </a:endParaRPr>
-          </a:p>
-          <a:p>
-            <a:pPr marL="0" lvl="0" indent="0" algn="just" rtl="0">
-              <a:lnSpc>
-                <a:spcPct val="150000"/>
-              </a:lnSpc>
-              <a:spcBef>
-                <a:spcPts val="0"/>
-              </a:spcBef>
-              <a:spcAft>
-                <a:spcPts val="0"/>
-              </a:spcAft>
-              <a:buNone/>
-            </a:pPr>
-            <a:r>
-              <a:rPr lang="en" sz="1200">
-                <a:solidFill>
-                  <a:srgbClr val="000000"/>
-                </a:solidFill>
-              </a:rPr>
-              <a:t>Step 5: If the user chooses option 6, the user is asked for confirmation.</a:t>
-            </a:r>
-            <a:endParaRPr sz="1200">
-              <a:solidFill>
-                <a:srgbClr val="000000"/>
-              </a:solidFill>
-            </a:endParaRPr>
-          </a:p>
-          <a:p>
-            <a:pPr marL="0" lvl="0" indent="457200" algn="just" rtl="0">
-              <a:lnSpc>
-                <a:spcPct val="150000"/>
-              </a:lnSpc>
-              <a:spcBef>
-                <a:spcPts val="0"/>
-              </a:spcBef>
-              <a:spcAft>
-                <a:spcPts val="0"/>
-              </a:spcAft>
-              <a:buNone/>
-            </a:pPr>
-            <a:r>
-              <a:rPr lang="en" sz="1200">
-                <a:solidFill>
-                  <a:srgbClr val="000000"/>
-                </a:solidFill>
-              </a:rPr>
-              <a:t>Then if chosen to exit go to step 6.</a:t>
-            </a:r>
-            <a:endParaRPr sz="1200">
-              <a:solidFill>
-                <a:srgbClr val="000000"/>
-              </a:solidFill>
-            </a:endParaRPr>
-          </a:p>
-          <a:p>
-            <a:pPr marL="0" lvl="0" indent="0" algn="just" rtl="0">
-              <a:lnSpc>
-                <a:spcPct val="150000"/>
-              </a:lnSpc>
-              <a:spcBef>
-                <a:spcPts val="0"/>
-              </a:spcBef>
-              <a:spcAft>
-                <a:spcPts val="0"/>
-              </a:spcAft>
-              <a:buNone/>
-            </a:pPr>
-            <a:r>
-              <a:rPr lang="en" sz="1200">
-                <a:solidFill>
-                  <a:srgbClr val="000000"/>
-                </a:solidFill>
-              </a:rPr>
-              <a:t>	Else go to step 2.</a:t>
-            </a:r>
-            <a:endParaRPr sz="1200">
-              <a:solidFill>
-                <a:srgbClr val="000000"/>
-              </a:solidFill>
-            </a:endParaRPr>
-          </a:p>
-          <a:p>
-            <a:pPr marL="0" lvl="0" indent="0" algn="just" rtl="0">
-              <a:lnSpc>
-                <a:spcPct val="150000"/>
-              </a:lnSpc>
-              <a:spcBef>
-                <a:spcPts val="0"/>
-              </a:spcBef>
-              <a:spcAft>
-                <a:spcPts val="0"/>
-              </a:spcAft>
-              <a:buNone/>
-            </a:pPr>
-            <a:r>
-              <a:rPr lang="en" sz="1200">
-                <a:solidFill>
-                  <a:srgbClr val="000000"/>
-                </a:solidFill>
-              </a:rPr>
-              <a:t>Step 6: Stop.</a:t>
-            </a:r>
-            <a:endParaRPr sz="1200">
-              <a:solidFill>
-                <a:srgbClr val="000000"/>
-              </a:solidFill>
-            </a:endParaRPr>
-          </a:p>
-          <a:p>
-            <a:pPr marL="0" lvl="0" indent="0" algn="l" rtl="0">
-              <a:spcBef>
-                <a:spcPts val="0"/>
-              </a:spcBef>
-              <a:spcAft>
-                <a:spcPts val="0"/>
-              </a:spcAft>
-              <a:buNone/>
-            </a:pPr>
-            <a:endParaRPr sz="1200"/>
-          </a:p>
-        </p:txBody>
-      </p:sp>
-    </p:spTree>
-  </p:cSld>
-  <p:clrMapOvr>
-    <a:masterClrMapping/>
-  </p:clrMapOvr>
-</p:sld>
-</file>
-
-<file path=ppt/slides/slide11.xml><?xml version="1.0" encoding="utf-8"?>
-<p:sld xmlns:a="http://schemas.openxmlformats.org/drawingml/2006/main" xmlns:r="http://schemas.openxmlformats.org/officeDocument/2006/relationships" xmlns:p="http://schemas.openxmlformats.org/presentationml/2006/main">
-  <p:cSld>
-    <p:spTree>
-      <p:nvGrpSpPr>
         <p:cNvPr id="1" name="Shape 132"/>
         <p:cNvGrpSpPr/>
         <p:nvPr/>
@@ -11952,7 +11253,7 @@
 </p:sld>
 </file>
 
-<file path=ppt/slides/slide12.xml><?xml version="1.0" encoding="utf-8"?>
+<file path=ppt/slides/slide11.xml><?xml version="1.0" encoding="utf-8"?>
 <p:sld xmlns:a="http://schemas.openxmlformats.org/drawingml/2006/main" xmlns:r="http://schemas.openxmlformats.org/officeDocument/2006/relationships" xmlns:p="http://schemas.openxmlformats.org/presentationml/2006/main">
   <p:cSld>
     <p:spTree>
@@ -12090,7 +11391,7 @@
 </p:sld>
 </file>
 
-<file path=ppt/slides/slide13.xml><?xml version="1.0" encoding="utf-8"?>
+<file path=ppt/slides/slide12.xml><?xml version="1.0" encoding="utf-8"?>
 <p:sld xmlns:a="http://schemas.openxmlformats.org/drawingml/2006/main" xmlns:r="http://schemas.openxmlformats.org/officeDocument/2006/relationships" xmlns:p="http://schemas.openxmlformats.org/presentationml/2006/main">
   <p:cSld>
     <p:spTree>
@@ -12207,7 +11508,7 @@
 </p:sld>
 </file>
 
-<file path=ppt/slides/slide14.xml><?xml version="1.0" encoding="utf-8"?>
+<file path=ppt/slides/slide13.xml><?xml version="1.0" encoding="utf-8"?>
 <p:sld xmlns:a="http://schemas.openxmlformats.org/drawingml/2006/main" xmlns:r="http://schemas.openxmlformats.org/officeDocument/2006/relationships" xmlns:p="http://schemas.openxmlformats.org/presentationml/2006/main">
   <p:cSld>
     <p:spTree>
@@ -12488,7 +11789,247 @@
 </p:sld>
 </file>
 
+<file path=ppt/slides/slide14.xml><?xml version="1.0" encoding="utf-8"?>
+<p:sld xmlns:a="http://schemas.openxmlformats.org/drawingml/2006/main" xmlns:r="http://schemas.openxmlformats.org/officeDocument/2006/relationships" xmlns:p="http://schemas.openxmlformats.org/presentationml/2006/main">
+  <p:cSld>
+    <p:spTree>
+      <p:nvGrpSpPr>
+        <p:cNvPr id="1" name=""/>
+        <p:cNvGrpSpPr/>
+        <p:nvPr/>
+      </p:nvGrpSpPr>
+      <p:grpSpPr>
+        <a:xfrm>
+          <a:off x="0" y="0"/>
+          <a:ext cx="0" cy="0"/>
+          <a:chOff x="0" y="0"/>
+          <a:chExt cx="0" cy="0"/>
+        </a:xfrm>
+      </p:grpSpPr>
+      <p:sp>
+        <p:nvSpPr>
+          <p:cNvPr id="2" name="Title 1">
+            <a:extLst>
+              <a:ext uri="{FF2B5EF4-FFF2-40B4-BE49-F238E27FC236}">
+                <a16:creationId xmlns:a16="http://schemas.microsoft.com/office/drawing/2014/main" id="{03210877-989C-A5E6-189D-66B09E6E1E19}"/>
+              </a:ext>
+            </a:extLst>
+          </p:cNvPr>
+          <p:cNvSpPr>
+            <a:spLocks noGrp="1"/>
+          </p:cNvSpPr>
+          <p:nvPr>
+            <p:ph type="title"/>
+          </p:nvPr>
+        </p:nvSpPr>
+        <p:spPr/>
+        <p:txBody>
+          <a:bodyPr/>
+          <a:lstStyle/>
+          <a:p>
+            <a:endParaRPr lang="en-US"/>
+          </a:p>
+        </p:txBody>
+      </p:sp>
+      <p:sp>
+        <p:nvSpPr>
+          <p:cNvPr id="3" name="Text Placeholder 2">
+            <a:extLst>
+              <a:ext uri="{FF2B5EF4-FFF2-40B4-BE49-F238E27FC236}">
+                <a16:creationId xmlns:a16="http://schemas.microsoft.com/office/drawing/2014/main" id="{B02BDB4D-7636-9630-9CD3-BAA93BD72345}"/>
+              </a:ext>
+            </a:extLst>
+          </p:cNvPr>
+          <p:cNvSpPr>
+            <a:spLocks noGrp="1"/>
+          </p:cNvSpPr>
+          <p:nvPr>
+            <p:ph type="body" idx="1"/>
+          </p:nvPr>
+        </p:nvSpPr>
+        <p:spPr/>
+        <p:txBody>
+          <a:bodyPr/>
+          <a:lstStyle/>
+          <a:p>
+            <a:endParaRPr lang="en-US"/>
+          </a:p>
+        </p:txBody>
+      </p:sp>
+    </p:spTree>
+    <p:extLst>
+      <p:ext uri="{BB962C8B-B14F-4D97-AF65-F5344CB8AC3E}">
+        <p14:creationId xmlns:p14="http://schemas.microsoft.com/office/powerpoint/2010/main" val="411360272"/>
+      </p:ext>
+    </p:extLst>
+  </p:cSld>
+  <p:clrMapOvr>
+    <a:masterClrMapping/>
+  </p:clrMapOvr>
+</p:sld>
+</file>
+
 <file path=ppt/slides/slide15.xml><?xml version="1.0" encoding="utf-8"?>
+<p:sld xmlns:a="http://schemas.openxmlformats.org/drawingml/2006/main" xmlns:r="http://schemas.openxmlformats.org/officeDocument/2006/relationships" xmlns:p="http://schemas.openxmlformats.org/presentationml/2006/main">
+  <p:cSld>
+    <p:spTree>
+      <p:nvGrpSpPr>
+        <p:cNvPr id="1" name=""/>
+        <p:cNvGrpSpPr/>
+        <p:nvPr/>
+      </p:nvGrpSpPr>
+      <p:grpSpPr>
+        <a:xfrm>
+          <a:off x="0" y="0"/>
+          <a:ext cx="0" cy="0"/>
+          <a:chOff x="0" y="0"/>
+          <a:chExt cx="0" cy="0"/>
+        </a:xfrm>
+      </p:grpSpPr>
+      <p:sp>
+        <p:nvSpPr>
+          <p:cNvPr id="2" name="Title 1">
+            <a:extLst>
+              <a:ext uri="{FF2B5EF4-FFF2-40B4-BE49-F238E27FC236}">
+                <a16:creationId xmlns:a16="http://schemas.microsoft.com/office/drawing/2014/main" id="{77735E1D-FE70-E01D-8A46-B2BC4AB74827}"/>
+              </a:ext>
+            </a:extLst>
+          </p:cNvPr>
+          <p:cNvSpPr>
+            <a:spLocks noGrp="1"/>
+          </p:cNvSpPr>
+          <p:nvPr>
+            <p:ph type="title"/>
+          </p:nvPr>
+        </p:nvSpPr>
+        <p:spPr/>
+        <p:txBody>
+          <a:bodyPr/>
+          <a:lstStyle/>
+          <a:p>
+            <a:endParaRPr lang="en-US"/>
+          </a:p>
+        </p:txBody>
+      </p:sp>
+      <p:sp>
+        <p:nvSpPr>
+          <p:cNvPr id="3" name="Text Placeholder 2">
+            <a:extLst>
+              <a:ext uri="{FF2B5EF4-FFF2-40B4-BE49-F238E27FC236}">
+                <a16:creationId xmlns:a16="http://schemas.microsoft.com/office/drawing/2014/main" id="{CDBEE94C-1EEA-7665-5ED7-CA0064939843}"/>
+              </a:ext>
+            </a:extLst>
+          </p:cNvPr>
+          <p:cNvSpPr>
+            <a:spLocks noGrp="1"/>
+          </p:cNvSpPr>
+          <p:nvPr>
+            <p:ph type="body" idx="1"/>
+          </p:nvPr>
+        </p:nvSpPr>
+        <p:spPr/>
+        <p:txBody>
+          <a:bodyPr/>
+          <a:lstStyle/>
+          <a:p>
+            <a:endParaRPr lang="en-US"/>
+          </a:p>
+        </p:txBody>
+      </p:sp>
+    </p:spTree>
+    <p:extLst>
+      <p:ext uri="{BB962C8B-B14F-4D97-AF65-F5344CB8AC3E}">
+        <p14:creationId xmlns:p14="http://schemas.microsoft.com/office/powerpoint/2010/main" val="3242006876"/>
+      </p:ext>
+    </p:extLst>
+  </p:cSld>
+  <p:clrMapOvr>
+    <a:masterClrMapping/>
+  </p:clrMapOvr>
+</p:sld>
+</file>
+
+<file path=ppt/slides/slide16.xml><?xml version="1.0" encoding="utf-8"?>
+<p:sld xmlns:a="http://schemas.openxmlformats.org/drawingml/2006/main" xmlns:r="http://schemas.openxmlformats.org/officeDocument/2006/relationships" xmlns:p="http://schemas.openxmlformats.org/presentationml/2006/main">
+  <p:cSld>
+    <p:spTree>
+      <p:nvGrpSpPr>
+        <p:cNvPr id="1" name=""/>
+        <p:cNvGrpSpPr/>
+        <p:nvPr/>
+      </p:nvGrpSpPr>
+      <p:grpSpPr>
+        <a:xfrm>
+          <a:off x="0" y="0"/>
+          <a:ext cx="0" cy="0"/>
+          <a:chOff x="0" y="0"/>
+          <a:chExt cx="0" cy="0"/>
+        </a:xfrm>
+      </p:grpSpPr>
+      <p:sp>
+        <p:nvSpPr>
+          <p:cNvPr id="2" name="Title 1">
+            <a:extLst>
+              <a:ext uri="{FF2B5EF4-FFF2-40B4-BE49-F238E27FC236}">
+                <a16:creationId xmlns:a16="http://schemas.microsoft.com/office/drawing/2014/main" id="{A5DB85BD-9321-335A-5F4F-1076D1D1DACF}"/>
+              </a:ext>
+            </a:extLst>
+          </p:cNvPr>
+          <p:cNvSpPr>
+            <a:spLocks noGrp="1"/>
+          </p:cNvSpPr>
+          <p:nvPr>
+            <p:ph type="title"/>
+          </p:nvPr>
+        </p:nvSpPr>
+        <p:spPr/>
+        <p:txBody>
+          <a:bodyPr/>
+          <a:lstStyle/>
+          <a:p>
+            <a:endParaRPr lang="en-US"/>
+          </a:p>
+        </p:txBody>
+      </p:sp>
+      <p:sp>
+        <p:nvSpPr>
+          <p:cNvPr id="3" name="Text Placeholder 2">
+            <a:extLst>
+              <a:ext uri="{FF2B5EF4-FFF2-40B4-BE49-F238E27FC236}">
+                <a16:creationId xmlns:a16="http://schemas.microsoft.com/office/drawing/2014/main" id="{41E5910C-F5B6-2B3D-DAEE-9E5AB7220DC7}"/>
+              </a:ext>
+            </a:extLst>
+          </p:cNvPr>
+          <p:cNvSpPr>
+            <a:spLocks noGrp="1"/>
+          </p:cNvSpPr>
+          <p:nvPr>
+            <p:ph type="body" idx="1"/>
+          </p:nvPr>
+        </p:nvSpPr>
+        <p:spPr/>
+        <p:txBody>
+          <a:bodyPr/>
+          <a:lstStyle/>
+          <a:p>
+            <a:endParaRPr lang="en-US"/>
+          </a:p>
+        </p:txBody>
+      </p:sp>
+    </p:spTree>
+    <p:extLst>
+      <p:ext uri="{BB962C8B-B14F-4D97-AF65-F5344CB8AC3E}">
+        <p14:creationId xmlns:p14="http://schemas.microsoft.com/office/powerpoint/2010/main" val="1843544074"/>
+      </p:ext>
+    </p:extLst>
+  </p:cSld>
+  <p:clrMapOvr>
+    <a:masterClrMapping/>
+  </p:clrMapOvr>
+</p:sld>
+</file>
+
+<file path=ppt/slides/slide17.xml><?xml version="1.0" encoding="utf-8"?>
 <p:sld xmlns:a="http://schemas.openxmlformats.org/drawingml/2006/main" xmlns:r="http://schemas.openxmlformats.org/officeDocument/2006/relationships" xmlns:p="http://schemas.openxmlformats.org/presentationml/2006/main">
   <p:cSld>
     <p:spTree>
@@ -12590,14 +12131,14 @@
               <a:buNone/>
             </a:pPr>
             <a:r>
-              <a:rPr lang="en">
+              <a:rPr lang="en" dirty="0">
                 <a:solidFill>
                   <a:srgbClr val="000000"/>
                 </a:solidFill>
               </a:rPr>
               <a:t>In conclusion, our project is only a humble venture to satisfy the needs to manage the project work. Several user-friendly coding have also been adopted. This package shall prove to be a powerful package in satisfying all the requirements of the school. The objective of software planning is to provide a framework that enables the manager to make reasonable estimates made within a limited time frame at the beginning of the software project and should be updated regularly as the project progresses.</a:t>
             </a:r>
-            <a:endParaRPr>
+            <a:endParaRPr dirty="0">
               <a:solidFill>
                 <a:srgbClr val="000000"/>
               </a:solidFill>
@@ -12616,7 +12157,7 @@
               </a:spcAft>
               <a:buNone/>
             </a:pPr>
-            <a:endParaRPr>
+            <a:endParaRPr dirty="0">
               <a:solidFill>
                 <a:srgbClr val="000000"/>
               </a:solidFill>
@@ -12636,14 +12177,14 @@
               <a:buNone/>
             </a:pPr>
             <a:r>
-              <a:rPr lang="en">
+              <a:rPr lang="en" dirty="0">
                 <a:solidFill>
                   <a:srgbClr val="000000"/>
                 </a:solidFill>
               </a:rPr>
               <a:t>	We extend our heartfelt gratitude to you for your time and attention.</a:t>
             </a:r>
-            <a:endParaRPr>
+            <a:endParaRPr dirty="0">
               <a:solidFill>
                 <a:srgbClr val="000000"/>
               </a:solidFill>
@@ -12687,12 +12228,12 @@
 </p:sld>
 </file>
 
-<file path=ppt/slides/slide16.xml><?xml version="1.0" encoding="utf-8"?>
+<file path=ppt/slides/slide18.xml><?xml version="1.0" encoding="utf-8"?>
 <p:sld xmlns:a="http://schemas.openxmlformats.org/drawingml/2006/main" xmlns:r="http://schemas.openxmlformats.org/officeDocument/2006/relationships" xmlns:p="http://schemas.openxmlformats.org/presentationml/2006/main">
   <p:cSld>
     <p:spTree>
       <p:nvGrpSpPr>
-        <p:cNvPr id="1" name="Shape 164"/>
+        <p:cNvPr id="1" name=""/>
         <p:cNvGrpSpPr/>
         <p:nvPr/>
       </p:nvGrpSpPr>
@@ -12704,34 +12245,182 @@
           <a:chExt cx="0" cy="0"/>
         </a:xfrm>
       </p:grpSpPr>
+      <p:sp>
+        <p:nvSpPr>
+          <p:cNvPr id="2" name="Title 1">
+            <a:extLst>
+              <a:ext uri="{FF2B5EF4-FFF2-40B4-BE49-F238E27FC236}">
+                <a16:creationId xmlns:a16="http://schemas.microsoft.com/office/drawing/2014/main" id="{D9A01E12-33D2-7AB8-8496-5417718CF928}"/>
+              </a:ext>
+            </a:extLst>
+          </p:cNvPr>
+          <p:cNvSpPr>
+            <a:spLocks noGrp="1"/>
+          </p:cNvSpPr>
+          <p:nvPr>
+            <p:ph type="title"/>
+          </p:nvPr>
+        </p:nvSpPr>
+        <p:spPr/>
+        <p:txBody>
+          <a:bodyPr>
+            <a:normAutofit fontScale="90000"/>
+          </a:bodyPr>
+          <a:lstStyle/>
+          <a:p>
+            <a:r>
+              <a:rPr lang="en-US" dirty="0"/>
+              <a:t>			 REFERENCES</a:t>
+            </a:r>
+          </a:p>
+        </p:txBody>
+      </p:sp>
+      <p:sp>
+        <p:nvSpPr>
+          <p:cNvPr id="3" name="Text Placeholder 2">
+            <a:extLst>
+              <a:ext uri="{FF2B5EF4-FFF2-40B4-BE49-F238E27FC236}">
+                <a16:creationId xmlns:a16="http://schemas.microsoft.com/office/drawing/2014/main" id="{6DCB9E84-F744-C8D7-1A62-65E194F8C1C4}"/>
+              </a:ext>
+            </a:extLst>
+          </p:cNvPr>
+          <p:cNvSpPr>
+            <a:spLocks noGrp="1"/>
+          </p:cNvSpPr>
+          <p:nvPr>
+            <p:ph type="body" idx="1"/>
+          </p:nvPr>
+        </p:nvSpPr>
+        <p:spPr/>
+        <p:txBody>
+          <a:bodyPr/>
+          <a:lstStyle/>
+          <a:p>
+            <a:endParaRPr lang="en-US" dirty="0"/>
+          </a:p>
+        </p:txBody>
+      </p:sp>
+    </p:spTree>
+    <p:extLst>
+      <p:ext uri="{BB962C8B-B14F-4D97-AF65-F5344CB8AC3E}">
+        <p14:creationId xmlns:p14="http://schemas.microsoft.com/office/powerpoint/2010/main" val="855873418"/>
+      </p:ext>
+    </p:extLst>
+  </p:cSld>
+  <p:clrMapOvr>
+    <a:masterClrMapping/>
+  </p:clrMapOvr>
+</p:sld>
+</file>
+
+<file path=ppt/slides/slide19.xml><?xml version="1.0" encoding="utf-8"?>
+<p:sld xmlns:a="http://schemas.openxmlformats.org/drawingml/2006/main" xmlns:r="http://schemas.openxmlformats.org/officeDocument/2006/relationships" xmlns:p="http://schemas.openxmlformats.org/presentationml/2006/main">
+  <p:cSld>
+    <p:spTree>
+      <p:nvGrpSpPr>
+        <p:cNvPr id="1" name=""/>
+        <p:cNvGrpSpPr/>
+        <p:nvPr/>
+      </p:nvGrpSpPr>
+      <p:grpSpPr>
+        <a:xfrm>
+          <a:off x="0" y="0"/>
+          <a:ext cx="0" cy="0"/>
+          <a:chOff x="0" y="0"/>
+          <a:chExt cx="0" cy="0"/>
+        </a:xfrm>
+      </p:grpSpPr>
+      <p:sp>
+        <p:nvSpPr>
+          <p:cNvPr id="2" name="Title 1">
+            <a:extLst>
+              <a:ext uri="{FF2B5EF4-FFF2-40B4-BE49-F238E27FC236}">
+                <a16:creationId xmlns:a16="http://schemas.microsoft.com/office/drawing/2014/main" id="{D1110B89-ACC6-10D5-4310-2237C06D30F1}"/>
+              </a:ext>
+            </a:extLst>
+          </p:cNvPr>
+          <p:cNvSpPr>
+            <a:spLocks noGrp="1"/>
+          </p:cNvSpPr>
+          <p:nvPr>
+            <p:ph type="title"/>
+          </p:nvPr>
+        </p:nvSpPr>
+        <p:spPr/>
+        <p:txBody>
+          <a:bodyPr>
+            <a:normAutofit fontScale="90000"/>
+          </a:bodyPr>
+          <a:lstStyle/>
+          <a:p>
+            <a:r>
+              <a:rPr lang="en-US" dirty="0"/>
+              <a:t>DEMO</a:t>
+            </a:r>
+          </a:p>
+        </p:txBody>
+      </p:sp>
+      <p:sp>
+        <p:nvSpPr>
+          <p:cNvPr id="3" name="Text Placeholder 2">
+            <a:extLst>
+              <a:ext uri="{FF2B5EF4-FFF2-40B4-BE49-F238E27FC236}">
+                <a16:creationId xmlns:a16="http://schemas.microsoft.com/office/drawing/2014/main" id="{37E4EB6F-2BB6-07FE-72E9-DD3402170EEC}"/>
+              </a:ext>
+            </a:extLst>
+          </p:cNvPr>
+          <p:cNvSpPr>
+            <a:spLocks noGrp="1"/>
+          </p:cNvSpPr>
+          <p:nvPr>
+            <p:ph type="body" idx="1"/>
+          </p:nvPr>
+        </p:nvSpPr>
+        <p:spPr/>
+        <p:txBody>
+          <a:bodyPr/>
+          <a:lstStyle/>
+          <a:p>
+            <a:endParaRPr lang="en-US" dirty="0"/>
+          </a:p>
+        </p:txBody>
+      </p:sp>
       <p:pic>
         <p:nvPicPr>
-          <p:cNvPr id="165" name="Google Shape;165;p28"/>
-          <p:cNvPicPr preferRelativeResize="0"/>
+          <p:cNvPr id="5" name="Picture 4" descr="A hand touching a screen&#10;&#10;Description automatically generated">
+            <a:extLst>
+              <a:ext uri="{FF2B5EF4-FFF2-40B4-BE49-F238E27FC236}">
+                <a16:creationId xmlns:a16="http://schemas.microsoft.com/office/drawing/2014/main" id="{0B025177-3EDF-4ACA-908E-FB1025B0735C}"/>
+              </a:ext>
+            </a:extLst>
+          </p:cNvPr>
+          <p:cNvPicPr>
+            <a:picLocks noChangeAspect="1"/>
+          </p:cNvPicPr>
           <p:nvPr/>
         </p:nvPicPr>
-        <p:blipFill rotWithShape="1">
-          <a:blip r:embed="rId3">
-            <a:alphaModFix/>
-          </a:blip>
-          <a:srcRect/>
-          <a:stretch/>
+        <p:blipFill>
+          <a:blip r:embed="rId2"/>
+          <a:stretch>
+            <a:fillRect/>
+          </a:stretch>
         </p:blipFill>
         <p:spPr>
           <a:xfrm>
-            <a:off x="619175" y="732152"/>
-            <a:ext cx="7260044" cy="3817475"/>
+            <a:off x="2473891" y="633347"/>
+            <a:ext cx="5880970" cy="3876806"/>
           </a:xfrm>
           <a:prstGeom prst="rect">
             <a:avLst/>
           </a:prstGeom>
-          <a:noFill/>
-          <a:ln>
-            <a:noFill/>
-          </a:ln>
         </p:spPr>
       </p:pic>
     </p:spTree>
+    <p:extLst>
+      <p:ext uri="{BB962C8B-B14F-4D97-AF65-F5344CB8AC3E}">
+        <p14:creationId xmlns:p14="http://schemas.microsoft.com/office/powerpoint/2010/main" val="3486999865"/>
+      </p:ext>
+    </p:extLst>
   </p:cSld>
   <p:clrMapOvr>
     <a:masterClrMapping/>
@@ -12991,7 +12680,7 @@
                   <a:schemeClr val="dk1"/>
                 </a:solidFill>
               </a:rPr>
-              <a:t>Advantages and Disadvantages of CMS</a:t>
+              <a:t>Advantages of CMS</a:t>
             </a:r>
             <a:endParaRPr sz="2200" dirty="0">
               <a:solidFill>
@@ -13205,6 +12894,58 @@
           <a:xfrm>
             <a:off x="6111375" y="962425"/>
             <a:ext cx="2682350" cy="2770751"/>
+          </a:xfrm>
+          <a:prstGeom prst="rect">
+            <a:avLst/>
+          </a:prstGeom>
+          <a:noFill/>
+          <a:ln>
+            <a:noFill/>
+          </a:ln>
+        </p:spPr>
+      </p:pic>
+    </p:spTree>
+  </p:cSld>
+  <p:clrMapOvr>
+    <a:masterClrMapping/>
+  </p:clrMapOvr>
+</p:sld>
+</file>
+
+<file path=ppt/slides/slide20.xml><?xml version="1.0" encoding="utf-8"?>
+<p:sld xmlns:a="http://schemas.openxmlformats.org/drawingml/2006/main" xmlns:r="http://schemas.openxmlformats.org/officeDocument/2006/relationships" xmlns:p="http://schemas.openxmlformats.org/presentationml/2006/main">
+  <p:cSld>
+    <p:spTree>
+      <p:nvGrpSpPr>
+        <p:cNvPr id="1" name="Shape 164"/>
+        <p:cNvGrpSpPr/>
+        <p:nvPr/>
+      </p:nvGrpSpPr>
+      <p:grpSpPr>
+        <a:xfrm>
+          <a:off x="0" y="0"/>
+          <a:ext cx="0" cy="0"/>
+          <a:chOff x="0" y="0"/>
+          <a:chExt cx="0" cy="0"/>
+        </a:xfrm>
+      </p:grpSpPr>
+      <p:pic>
+        <p:nvPicPr>
+          <p:cNvPr id="165" name="Google Shape;165;p28"/>
+          <p:cNvPicPr preferRelativeResize="0"/>
+          <p:nvPr/>
+        </p:nvPicPr>
+        <p:blipFill rotWithShape="1">
+          <a:blip r:embed="rId3">
+            <a:alphaModFix/>
+          </a:blip>
+          <a:srcRect/>
+          <a:stretch/>
+        </p:blipFill>
+        <p:spPr>
+          <a:xfrm>
+            <a:off x="619175" y="732152"/>
+            <a:ext cx="7260044" cy="3817475"/>
           </a:xfrm>
           <a:prstGeom prst="rect">
             <a:avLst/>
@@ -14760,387 +14501,6 @@
   <p:cSld>
     <p:spTree>
       <p:nvGrpSpPr>
-        <p:cNvPr id="1" name="Shape 111"/>
-        <p:cNvGrpSpPr/>
-        <p:nvPr/>
-      </p:nvGrpSpPr>
-      <p:grpSpPr>
-        <a:xfrm>
-          <a:off x="0" y="0"/>
-          <a:ext cx="0" cy="0"/>
-          <a:chOff x="0" y="0"/>
-          <a:chExt cx="0" cy="0"/>
-        </a:xfrm>
-      </p:grpSpPr>
-      <p:sp>
-        <p:nvSpPr>
-          <p:cNvPr id="112" name="Google Shape;112;p20"/>
-          <p:cNvSpPr txBox="1">
-            <a:spLocks noGrp="1"/>
-          </p:cNvSpPr>
-          <p:nvPr>
-            <p:ph type="title"/>
-          </p:nvPr>
-        </p:nvSpPr>
-        <p:spPr>
-          <a:xfrm>
-            <a:off x="311700" y="237625"/>
-            <a:ext cx="8520600" cy="572700"/>
-          </a:xfrm>
-          <a:prstGeom prst="rect">
-            <a:avLst/>
-          </a:prstGeom>
-        </p:spPr>
-        <p:txBody>
-          <a:bodyPr spcFirstLastPara="1" wrap="square" lIns="91425" tIns="91425" rIns="91425" bIns="91425" anchor="t" anchorCtr="0">
-            <a:normAutofit fontScale="90000"/>
-          </a:bodyPr>
-          <a:lstStyle/>
-          <a:p>
-            <a:pPr marL="0" lvl="0" indent="0" algn="l" rtl="0">
-              <a:spcBef>
-                <a:spcPts val="0"/>
-              </a:spcBef>
-              <a:spcAft>
-                <a:spcPts val="0"/>
-              </a:spcAft>
-              <a:buNone/>
-            </a:pPr>
-            <a:r>
-              <a:rPr lang="en" sz="3300">
-                <a:latin typeface="Proxima Nova Extrabold"/>
-                <a:ea typeface="Proxima Nova Extrabold"/>
-                <a:cs typeface="Proxima Nova Extrabold"/>
-                <a:sym typeface="Proxima Nova Extrabold"/>
-              </a:rPr>
-              <a:t>Disadvantages Of CMS</a:t>
-            </a:r>
-            <a:endParaRPr sz="3300">
-              <a:latin typeface="Proxima Nova Extrabold"/>
-              <a:ea typeface="Proxima Nova Extrabold"/>
-              <a:cs typeface="Proxima Nova Extrabold"/>
-              <a:sym typeface="Proxima Nova Extrabold"/>
-            </a:endParaRPr>
-          </a:p>
-          <a:p>
-            <a:pPr marL="0" lvl="0" indent="0" algn="l" rtl="0">
-              <a:spcBef>
-                <a:spcPts val="0"/>
-              </a:spcBef>
-              <a:spcAft>
-                <a:spcPts val="0"/>
-              </a:spcAft>
-              <a:buNone/>
-            </a:pPr>
-            <a:endParaRPr/>
-          </a:p>
-        </p:txBody>
-      </p:sp>
-      <p:sp>
-        <p:nvSpPr>
-          <p:cNvPr id="113" name="Google Shape;113;p20"/>
-          <p:cNvSpPr txBox="1">
-            <a:spLocks noGrp="1"/>
-          </p:cNvSpPr>
-          <p:nvPr>
-            <p:ph type="body" idx="1"/>
-          </p:nvPr>
-        </p:nvSpPr>
-        <p:spPr>
-          <a:xfrm>
-            <a:off x="311700" y="863550"/>
-            <a:ext cx="6878100" cy="3837600"/>
-          </a:xfrm>
-          <a:prstGeom prst="rect">
-            <a:avLst/>
-          </a:prstGeom>
-        </p:spPr>
-        <p:txBody>
-          <a:bodyPr spcFirstLastPara="1" wrap="square" lIns="91425" tIns="91425" rIns="91425" bIns="91425" anchor="t" anchorCtr="0">
-            <a:normAutofit/>
-          </a:bodyPr>
-          <a:lstStyle/>
-          <a:p>
-            <a:pPr marL="0" lvl="0" indent="0" algn="l" rtl="0">
-              <a:spcBef>
-                <a:spcPts val="0"/>
-              </a:spcBef>
-              <a:spcAft>
-                <a:spcPts val="0"/>
-              </a:spcAft>
-              <a:buNone/>
-            </a:pPr>
-            <a:r>
-              <a:rPr lang="en">
-                <a:solidFill>
-                  <a:schemeClr val="dk1"/>
-                </a:solidFill>
-              </a:rPr>
-              <a:t>While contact management systems (CMS) offer numerous advantages, they also come with some potential disadvantages and challenges:</a:t>
-            </a:r>
-            <a:endParaRPr>
-              <a:solidFill>
-                <a:schemeClr val="dk1"/>
-              </a:solidFill>
-            </a:endParaRPr>
-          </a:p>
-          <a:p>
-            <a:pPr marL="457200" lvl="0" indent="-342900" algn="l" rtl="0">
-              <a:lnSpc>
-                <a:spcPct val="150000"/>
-              </a:lnSpc>
-              <a:spcBef>
-                <a:spcPts val="0"/>
-              </a:spcBef>
-              <a:spcAft>
-                <a:spcPts val="0"/>
-              </a:spcAft>
-              <a:buClr>
-                <a:schemeClr val="dk1"/>
-              </a:buClr>
-              <a:buSzPts val="1800"/>
-              <a:buChar char="●"/>
-            </a:pPr>
-            <a:r>
-              <a:rPr lang="en" b="1">
-                <a:solidFill>
-                  <a:schemeClr val="dk1"/>
-                </a:solidFill>
-              </a:rPr>
-              <a:t>Cost</a:t>
-            </a:r>
-            <a:endParaRPr b="1">
-              <a:solidFill>
-                <a:schemeClr val="dk1"/>
-              </a:solidFill>
-            </a:endParaRPr>
-          </a:p>
-          <a:p>
-            <a:pPr marL="457200" lvl="0" indent="-342900" algn="l" rtl="0">
-              <a:lnSpc>
-                <a:spcPct val="150000"/>
-              </a:lnSpc>
-              <a:spcBef>
-                <a:spcPts val="0"/>
-              </a:spcBef>
-              <a:spcAft>
-                <a:spcPts val="0"/>
-              </a:spcAft>
-              <a:buClr>
-                <a:schemeClr val="dk1"/>
-              </a:buClr>
-              <a:buSzPts val="1800"/>
-              <a:buChar char="●"/>
-            </a:pPr>
-            <a:r>
-              <a:rPr lang="en" b="1">
-                <a:solidFill>
-                  <a:schemeClr val="dk1"/>
-                </a:solidFill>
-              </a:rPr>
-              <a:t>Data Entry</a:t>
-            </a:r>
-            <a:endParaRPr b="1">
-              <a:solidFill>
-                <a:schemeClr val="dk1"/>
-              </a:solidFill>
-            </a:endParaRPr>
-          </a:p>
-          <a:p>
-            <a:pPr marL="457200" lvl="0" indent="-342900" algn="l" rtl="0">
-              <a:lnSpc>
-                <a:spcPct val="150000"/>
-              </a:lnSpc>
-              <a:spcBef>
-                <a:spcPts val="0"/>
-              </a:spcBef>
-              <a:spcAft>
-                <a:spcPts val="0"/>
-              </a:spcAft>
-              <a:buClr>
-                <a:schemeClr val="dk1"/>
-              </a:buClr>
-              <a:buSzPts val="1800"/>
-              <a:buChar char="●"/>
-            </a:pPr>
-            <a:r>
-              <a:rPr lang="en" b="1">
-                <a:solidFill>
-                  <a:schemeClr val="dk1"/>
-                </a:solidFill>
-              </a:rPr>
-              <a:t>Data Security</a:t>
-            </a:r>
-            <a:endParaRPr b="1">
-              <a:solidFill>
-                <a:schemeClr val="dk1"/>
-              </a:solidFill>
-            </a:endParaRPr>
-          </a:p>
-          <a:p>
-            <a:pPr marL="457200" lvl="0" indent="-342900" algn="l" rtl="0">
-              <a:lnSpc>
-                <a:spcPct val="150000"/>
-              </a:lnSpc>
-              <a:spcBef>
-                <a:spcPts val="0"/>
-              </a:spcBef>
-              <a:spcAft>
-                <a:spcPts val="0"/>
-              </a:spcAft>
-              <a:buClr>
-                <a:schemeClr val="dk1"/>
-              </a:buClr>
-              <a:buSzPts val="1800"/>
-              <a:buChar char="●"/>
-            </a:pPr>
-            <a:r>
-              <a:rPr lang="en" b="1">
-                <a:solidFill>
-                  <a:schemeClr val="dk1"/>
-                </a:solidFill>
-              </a:rPr>
-              <a:t>Maintenance</a:t>
-            </a:r>
-            <a:endParaRPr b="1">
-              <a:solidFill>
-                <a:schemeClr val="dk1"/>
-              </a:solidFill>
-            </a:endParaRPr>
-          </a:p>
-          <a:p>
-            <a:pPr marL="457200" lvl="0" indent="-342900" algn="l" rtl="0">
-              <a:lnSpc>
-                <a:spcPct val="150000"/>
-              </a:lnSpc>
-              <a:spcBef>
-                <a:spcPts val="0"/>
-              </a:spcBef>
-              <a:spcAft>
-                <a:spcPts val="0"/>
-              </a:spcAft>
-              <a:buClr>
-                <a:schemeClr val="dk1"/>
-              </a:buClr>
-              <a:buSzPts val="1800"/>
-              <a:buChar char="●"/>
-            </a:pPr>
-            <a:r>
-              <a:rPr lang="en" b="1">
-                <a:solidFill>
-                  <a:schemeClr val="dk1"/>
-                </a:solidFill>
-              </a:rPr>
-              <a:t>Limited Features</a:t>
-            </a:r>
-            <a:endParaRPr b="1">
-              <a:solidFill>
-                <a:schemeClr val="dk1"/>
-              </a:solidFill>
-            </a:endParaRPr>
-          </a:p>
-          <a:p>
-            <a:pPr marL="457200" lvl="0" indent="-342900" algn="l" rtl="0">
-              <a:lnSpc>
-                <a:spcPct val="150000"/>
-              </a:lnSpc>
-              <a:spcBef>
-                <a:spcPts val="0"/>
-              </a:spcBef>
-              <a:spcAft>
-                <a:spcPts val="0"/>
-              </a:spcAft>
-              <a:buClr>
-                <a:schemeClr val="dk1"/>
-              </a:buClr>
-              <a:buSzPts val="1800"/>
-              <a:buChar char="●"/>
-            </a:pPr>
-            <a:r>
-              <a:rPr lang="en" b="1">
-                <a:solidFill>
-                  <a:schemeClr val="dk1"/>
-                </a:solidFill>
-              </a:rPr>
-              <a:t>User Adoption</a:t>
-            </a:r>
-            <a:endParaRPr b="1">
-              <a:solidFill>
-                <a:schemeClr val="dk1"/>
-              </a:solidFill>
-            </a:endParaRPr>
-          </a:p>
-        </p:txBody>
-      </p:sp>
-      <p:pic>
-        <p:nvPicPr>
-          <p:cNvPr id="114" name="Google Shape;114;p20"/>
-          <p:cNvPicPr preferRelativeResize="0"/>
-          <p:nvPr/>
-        </p:nvPicPr>
-        <p:blipFill>
-          <a:blip r:embed="rId3">
-            <a:alphaModFix/>
-          </a:blip>
-          <a:stretch>
-            <a:fillRect/>
-          </a:stretch>
-        </p:blipFill>
-        <p:spPr>
-          <a:xfrm>
-            <a:off x="7273050" y="1059500"/>
-            <a:ext cx="1649402" cy="1649402"/>
-          </a:xfrm>
-          <a:prstGeom prst="rect">
-            <a:avLst/>
-          </a:prstGeom>
-          <a:noFill/>
-          <a:ln>
-            <a:noFill/>
-          </a:ln>
-        </p:spPr>
-      </p:pic>
-      <p:pic>
-        <p:nvPicPr>
-          <p:cNvPr id="115" name="Google Shape;115;p20"/>
-          <p:cNvPicPr preferRelativeResize="0"/>
-          <p:nvPr/>
-        </p:nvPicPr>
-        <p:blipFill>
-          <a:blip r:embed="rId4">
-            <a:alphaModFix/>
-          </a:blip>
-          <a:stretch>
-            <a:fillRect/>
-          </a:stretch>
-        </p:blipFill>
-        <p:spPr>
-          <a:xfrm>
-            <a:off x="7342200" y="2861302"/>
-            <a:ext cx="1649401" cy="1827907"/>
-          </a:xfrm>
-          <a:prstGeom prst="rect">
-            <a:avLst/>
-          </a:prstGeom>
-          <a:noFill/>
-          <a:ln>
-            <a:noFill/>
-          </a:ln>
-        </p:spPr>
-      </p:pic>
-    </p:spTree>
-  </p:cSld>
-  <p:clrMapOvr>
-    <a:masterClrMapping/>
-  </p:clrMapOvr>
-</p:sld>
-</file>
-
-<file path=ppt/slides/slide9.xml><?xml version="1.0" encoding="utf-8"?>
-<p:sld xmlns:a="http://schemas.openxmlformats.org/drawingml/2006/main" xmlns:r="http://schemas.openxmlformats.org/officeDocument/2006/relationships" xmlns:p="http://schemas.openxmlformats.org/presentationml/2006/main">
-  <p:cSld>
-    <p:spTree>
-      <p:nvGrpSpPr>
         <p:cNvPr id="1" name="Shape 119"/>
         <p:cNvGrpSpPr/>
         <p:nvPr/>
@@ -15493,6 +14853,606 @@
           </a:ln>
         </p:spPr>
       </p:pic>
+    </p:spTree>
+  </p:cSld>
+  <p:clrMapOvr>
+    <a:masterClrMapping/>
+  </p:clrMapOvr>
+</p:sld>
+</file>
+
+<file path=ppt/slides/slide9.xml><?xml version="1.0" encoding="utf-8"?>
+<p:sld xmlns:a="http://schemas.openxmlformats.org/drawingml/2006/main" xmlns:r="http://schemas.openxmlformats.org/officeDocument/2006/relationships" xmlns:p="http://schemas.openxmlformats.org/presentationml/2006/main">
+  <p:cSld>
+    <p:spTree>
+      <p:nvGrpSpPr>
+        <p:cNvPr id="1" name="Shape 126"/>
+        <p:cNvGrpSpPr/>
+        <p:nvPr/>
+      </p:nvGrpSpPr>
+      <p:grpSpPr>
+        <a:xfrm>
+          <a:off x="0" y="0"/>
+          <a:ext cx="0" cy="0"/>
+          <a:chOff x="0" y="0"/>
+          <a:chExt cx="0" cy="0"/>
+        </a:xfrm>
+      </p:grpSpPr>
+      <p:sp>
+        <p:nvSpPr>
+          <p:cNvPr id="127" name="Google Shape;127;p22"/>
+          <p:cNvSpPr txBox="1">
+            <a:spLocks noGrp="1"/>
+          </p:cNvSpPr>
+          <p:nvPr>
+            <p:ph type="title"/>
+          </p:nvPr>
+        </p:nvSpPr>
+        <p:spPr>
+          <a:xfrm>
+            <a:off x="118150" y="0"/>
+            <a:ext cx="8520600" cy="572700"/>
+          </a:xfrm>
+          <a:prstGeom prst="rect">
+            <a:avLst/>
+          </a:prstGeom>
+        </p:spPr>
+        <p:txBody>
+          <a:bodyPr spcFirstLastPara="1" wrap="square" lIns="91425" tIns="91425" rIns="91425" bIns="91425" anchor="t" anchorCtr="0">
+            <a:normAutofit fontScale="90000"/>
+          </a:bodyPr>
+          <a:lstStyle/>
+          <a:p>
+            <a:pPr marL="0" lvl="0" indent="0" algn="l" rtl="0">
+              <a:spcBef>
+                <a:spcPts val="0"/>
+              </a:spcBef>
+              <a:spcAft>
+                <a:spcPts val="0"/>
+              </a:spcAft>
+              <a:buNone/>
+            </a:pPr>
+            <a:r>
+              <a:rPr lang="en" sz="3300">
+                <a:latin typeface="Proxima Nova Extrabold"/>
+                <a:ea typeface="Proxima Nova Extrabold"/>
+                <a:cs typeface="Proxima Nova Extrabold"/>
+                <a:sym typeface="Proxima Nova Extrabold"/>
+              </a:rPr>
+              <a:t>Algorithm</a:t>
+            </a:r>
+            <a:endParaRPr sz="3300">
+              <a:latin typeface="Proxima Nova Extrabold"/>
+              <a:ea typeface="Proxima Nova Extrabold"/>
+              <a:cs typeface="Proxima Nova Extrabold"/>
+              <a:sym typeface="Proxima Nova Extrabold"/>
+            </a:endParaRPr>
+          </a:p>
+          <a:p>
+            <a:pPr marL="0" lvl="0" indent="0" algn="l" rtl="0">
+              <a:spcBef>
+                <a:spcPts val="0"/>
+              </a:spcBef>
+              <a:spcAft>
+                <a:spcPts val="0"/>
+              </a:spcAft>
+              <a:buNone/>
+            </a:pPr>
+            <a:endParaRPr/>
+          </a:p>
+          <a:p>
+            <a:pPr marL="0" lvl="0" indent="0" algn="l" rtl="0">
+              <a:spcBef>
+                <a:spcPts val="0"/>
+              </a:spcBef>
+              <a:spcAft>
+                <a:spcPts val="0"/>
+              </a:spcAft>
+              <a:buNone/>
+            </a:pPr>
+            <a:endParaRPr/>
+          </a:p>
+        </p:txBody>
+      </p:sp>
+      <p:sp>
+        <p:nvSpPr>
+          <p:cNvPr id="128" name="Google Shape;128;p22"/>
+          <p:cNvSpPr txBox="1">
+            <a:spLocks noGrp="1"/>
+          </p:cNvSpPr>
+          <p:nvPr>
+            <p:ph type="body" idx="1"/>
+          </p:nvPr>
+        </p:nvSpPr>
+        <p:spPr>
+          <a:xfrm>
+            <a:off x="214925" y="506175"/>
+            <a:ext cx="8827800" cy="4637400"/>
+          </a:xfrm>
+          <a:prstGeom prst="rect">
+            <a:avLst/>
+          </a:prstGeom>
+        </p:spPr>
+        <p:txBody>
+          <a:bodyPr spcFirstLastPara="1" wrap="square" lIns="91425" tIns="91425" rIns="91425" bIns="91425" anchor="t" anchorCtr="0">
+            <a:noAutofit/>
+          </a:bodyPr>
+          <a:lstStyle/>
+          <a:p>
+            <a:pPr marL="0" lvl="0" indent="0" algn="just" rtl="0">
+              <a:lnSpc>
+                <a:spcPct val="150000"/>
+              </a:lnSpc>
+              <a:spcBef>
+                <a:spcPts val="0"/>
+              </a:spcBef>
+              <a:spcAft>
+                <a:spcPts val="0"/>
+              </a:spcAft>
+              <a:buNone/>
+            </a:pPr>
+            <a:r>
+              <a:rPr lang="en" sz="1200" dirty="0">
+                <a:solidFill>
+                  <a:srgbClr val="000000"/>
+                </a:solidFill>
+              </a:rPr>
+              <a:t>Step 1: Start.</a:t>
+            </a:r>
+            <a:endParaRPr sz="1200" dirty="0">
+              <a:solidFill>
+                <a:srgbClr val="000000"/>
+              </a:solidFill>
+            </a:endParaRPr>
+          </a:p>
+          <a:p>
+            <a:pPr marL="0" lvl="0" indent="0" algn="just" rtl="0">
+              <a:lnSpc>
+                <a:spcPct val="150000"/>
+              </a:lnSpc>
+              <a:spcBef>
+                <a:spcPts val="0"/>
+              </a:spcBef>
+              <a:spcAft>
+                <a:spcPts val="0"/>
+              </a:spcAft>
+              <a:buNone/>
+            </a:pPr>
+            <a:r>
+              <a:rPr lang="en" sz="1200" dirty="0">
+                <a:solidFill>
+                  <a:srgbClr val="000000"/>
+                </a:solidFill>
+              </a:rPr>
+              <a:t>Step 2: </a:t>
+            </a:r>
+            <a:r>
+              <a:rPr lang="en-US" sz="1200" dirty="0">
+                <a:solidFill>
+                  <a:srgbClr val="000000"/>
+                </a:solidFill>
+              </a:rPr>
+              <a:t>: Login</a:t>
+            </a:r>
+          </a:p>
+          <a:p>
+            <a:pPr marL="457200" lvl="0" indent="-304800" algn="just" rtl="0">
+              <a:lnSpc>
+                <a:spcPct val="150000"/>
+              </a:lnSpc>
+              <a:spcBef>
+                <a:spcPts val="0"/>
+              </a:spcBef>
+              <a:spcAft>
+                <a:spcPts val="0"/>
+              </a:spcAft>
+              <a:buClr>
+                <a:srgbClr val="000000"/>
+              </a:buClr>
+              <a:buSzPts val="1200"/>
+              <a:buChar char="●"/>
+            </a:pPr>
+            <a:r>
+              <a:rPr lang="en-US" sz="1200" dirty="0">
+                <a:solidFill>
+                  <a:srgbClr val="000000"/>
+                </a:solidFill>
+              </a:rPr>
+              <a:t>Enter username and password</a:t>
+            </a:r>
+          </a:p>
+          <a:p>
+            <a:pPr marL="0" lvl="0" indent="0" algn="just" rtl="0">
+              <a:lnSpc>
+                <a:spcPct val="150000"/>
+              </a:lnSpc>
+              <a:spcBef>
+                <a:spcPts val="0"/>
+              </a:spcBef>
+              <a:spcAft>
+                <a:spcPts val="0"/>
+              </a:spcAft>
+              <a:buNone/>
+            </a:pPr>
+            <a:r>
+              <a:rPr lang="en" sz="1200" dirty="0">
+                <a:solidFill>
+                  <a:srgbClr val="000000"/>
+                </a:solidFill>
+              </a:rPr>
+              <a:t>Step 3: </a:t>
+            </a:r>
+            <a:r>
+              <a:rPr lang="en-US" sz="1200" dirty="0">
+                <a:solidFill>
+                  <a:srgbClr val="000000"/>
+                </a:solidFill>
+              </a:rPr>
+              <a:t>Shows Main menu.</a:t>
+            </a:r>
+          </a:p>
+          <a:p>
+            <a:pPr marL="0" lvl="0" indent="0" algn="just" rtl="0">
+              <a:lnSpc>
+                <a:spcPct val="150000"/>
+              </a:lnSpc>
+              <a:spcBef>
+                <a:spcPts val="0"/>
+              </a:spcBef>
+              <a:spcAft>
+                <a:spcPts val="0"/>
+              </a:spcAft>
+              <a:buNone/>
+            </a:pPr>
+            <a:r>
+              <a:rPr lang="en" sz="1200" dirty="0">
+                <a:solidFill>
+                  <a:srgbClr val="000000"/>
+                </a:solidFill>
+              </a:rPr>
+              <a:t>Step 4: For condition of menu program further shows option as:</a:t>
+            </a:r>
+            <a:endParaRPr sz="1200" dirty="0">
+              <a:solidFill>
+                <a:srgbClr val="000000"/>
+              </a:solidFill>
+            </a:endParaRPr>
+          </a:p>
+          <a:p>
+            <a:pPr marL="1485900" lvl="2" indent="-190500" algn="just" rtl="0">
+              <a:lnSpc>
+                <a:spcPct val="150000"/>
+              </a:lnSpc>
+              <a:spcBef>
+                <a:spcPts val="0"/>
+              </a:spcBef>
+              <a:spcAft>
+                <a:spcPts val="0"/>
+              </a:spcAft>
+              <a:buClr>
+                <a:srgbClr val="000000"/>
+              </a:buClr>
+              <a:buSzPts val="1200"/>
+              <a:buAutoNum type="arabicPeriod"/>
+            </a:pPr>
+            <a:r>
+              <a:rPr lang="en" sz="1200" dirty="0">
+                <a:solidFill>
+                  <a:srgbClr val="000000"/>
+                </a:solidFill>
+              </a:rPr>
+              <a:t>Add contacts </a:t>
+            </a:r>
+            <a:endParaRPr sz="1200" dirty="0">
+              <a:solidFill>
+                <a:srgbClr val="000000"/>
+              </a:solidFill>
+            </a:endParaRPr>
+          </a:p>
+          <a:p>
+            <a:pPr marL="1485900" lvl="2" indent="-190500" algn="just" rtl="0">
+              <a:lnSpc>
+                <a:spcPct val="150000"/>
+              </a:lnSpc>
+              <a:spcBef>
+                <a:spcPts val="0"/>
+              </a:spcBef>
+              <a:spcAft>
+                <a:spcPts val="0"/>
+              </a:spcAft>
+              <a:buClr>
+                <a:srgbClr val="000000"/>
+              </a:buClr>
+              <a:buSzPts val="1200"/>
+              <a:buAutoNum type="arabicPeriod"/>
+            </a:pPr>
+            <a:r>
+              <a:rPr lang="en" sz="1200" dirty="0">
+                <a:solidFill>
+                  <a:srgbClr val="000000"/>
+                </a:solidFill>
+              </a:rPr>
+              <a:t>Show available contacts</a:t>
+            </a:r>
+            <a:endParaRPr sz="1200" dirty="0">
+              <a:solidFill>
+                <a:srgbClr val="000000"/>
+              </a:solidFill>
+            </a:endParaRPr>
+          </a:p>
+          <a:p>
+            <a:pPr marL="1485900" lvl="2" indent="-190500" algn="just" rtl="0">
+              <a:lnSpc>
+                <a:spcPct val="150000"/>
+              </a:lnSpc>
+              <a:spcBef>
+                <a:spcPts val="0"/>
+              </a:spcBef>
+              <a:spcAft>
+                <a:spcPts val="0"/>
+              </a:spcAft>
+              <a:buClr>
+                <a:srgbClr val="000000"/>
+              </a:buClr>
+              <a:buSzPts val="1200"/>
+              <a:buAutoNum type="arabicPeriod"/>
+            </a:pPr>
+            <a:r>
+              <a:rPr lang="en" sz="1200" dirty="0">
+                <a:solidFill>
+                  <a:srgbClr val="000000"/>
+                </a:solidFill>
+              </a:rPr>
+              <a:t>Search contact</a:t>
+            </a:r>
+            <a:endParaRPr sz="1200" dirty="0">
+              <a:solidFill>
+                <a:srgbClr val="000000"/>
+              </a:solidFill>
+            </a:endParaRPr>
+          </a:p>
+          <a:p>
+            <a:pPr marL="1485900" lvl="2" indent="-190500" algn="just" rtl="0">
+              <a:lnSpc>
+                <a:spcPct val="150000"/>
+              </a:lnSpc>
+              <a:spcBef>
+                <a:spcPts val="0"/>
+              </a:spcBef>
+              <a:spcAft>
+                <a:spcPts val="0"/>
+              </a:spcAft>
+              <a:buClr>
+                <a:srgbClr val="000000"/>
+              </a:buClr>
+              <a:buSzPts val="1200"/>
+              <a:buAutoNum type="arabicPeriod"/>
+            </a:pPr>
+            <a:r>
+              <a:rPr lang="en" sz="1200" dirty="0">
+                <a:solidFill>
+                  <a:srgbClr val="000000"/>
+                </a:solidFill>
+              </a:rPr>
+              <a:t>Edit contact</a:t>
+            </a:r>
+            <a:endParaRPr sz="1200" dirty="0">
+              <a:solidFill>
+                <a:srgbClr val="000000"/>
+              </a:solidFill>
+            </a:endParaRPr>
+          </a:p>
+          <a:p>
+            <a:pPr marL="1485900" lvl="2" indent="-190500" algn="just" rtl="0">
+              <a:lnSpc>
+                <a:spcPct val="150000"/>
+              </a:lnSpc>
+              <a:spcBef>
+                <a:spcPts val="0"/>
+              </a:spcBef>
+              <a:spcAft>
+                <a:spcPts val="0"/>
+              </a:spcAft>
+              <a:buClr>
+                <a:srgbClr val="000000"/>
+              </a:buClr>
+              <a:buSzPts val="1200"/>
+              <a:buAutoNum type="arabicPeriod"/>
+            </a:pPr>
+            <a:r>
+              <a:rPr lang="en" sz="1200" dirty="0">
+                <a:solidFill>
+                  <a:srgbClr val="000000"/>
+                </a:solidFill>
+              </a:rPr>
+              <a:t>Delete contact</a:t>
+            </a:r>
+            <a:endParaRPr sz="1200" dirty="0">
+              <a:solidFill>
+                <a:srgbClr val="000000"/>
+              </a:solidFill>
+            </a:endParaRPr>
+          </a:p>
+          <a:p>
+            <a:pPr marL="1485900" lvl="2" indent="-190500" algn="just" rtl="0">
+              <a:lnSpc>
+                <a:spcPct val="150000"/>
+              </a:lnSpc>
+              <a:spcBef>
+                <a:spcPts val="0"/>
+              </a:spcBef>
+              <a:spcAft>
+                <a:spcPts val="0"/>
+              </a:spcAft>
+              <a:buClr>
+                <a:srgbClr val="000000"/>
+              </a:buClr>
+              <a:buSzPts val="1200"/>
+              <a:buAutoNum type="arabicPeriod"/>
+            </a:pPr>
+            <a:r>
+              <a:rPr lang="en" sz="1200" dirty="0">
+                <a:solidFill>
+                  <a:srgbClr val="000000"/>
+                </a:solidFill>
+              </a:rPr>
+              <a:t>Exit</a:t>
+            </a:r>
+            <a:endParaRPr sz="1200" dirty="0">
+              <a:solidFill>
+                <a:srgbClr val="000000"/>
+              </a:solidFill>
+            </a:endParaRPr>
+          </a:p>
+          <a:p>
+            <a:pPr marL="0" lvl="0" indent="0" algn="just" rtl="0">
+              <a:lnSpc>
+                <a:spcPct val="150000"/>
+              </a:lnSpc>
+              <a:spcBef>
+                <a:spcPts val="0"/>
+              </a:spcBef>
+              <a:spcAft>
+                <a:spcPts val="0"/>
+              </a:spcAft>
+              <a:buNone/>
+            </a:pPr>
+            <a:r>
+              <a:rPr lang="en" sz="1200" dirty="0">
+                <a:solidFill>
+                  <a:srgbClr val="000000"/>
+                </a:solidFill>
+              </a:rPr>
+              <a:t>Step 5: The program provides functions to run on the basis of options chosen by the user.</a:t>
+            </a:r>
+            <a:endParaRPr sz="1200" dirty="0">
+              <a:solidFill>
+                <a:srgbClr val="000000"/>
+              </a:solidFill>
+            </a:endParaRPr>
+          </a:p>
+          <a:p>
+            <a:pPr marL="0" lvl="0" indent="0" algn="just" rtl="0">
+              <a:lnSpc>
+                <a:spcPct val="150000"/>
+              </a:lnSpc>
+              <a:spcBef>
+                <a:spcPts val="0"/>
+              </a:spcBef>
+              <a:spcAft>
+                <a:spcPts val="0"/>
+              </a:spcAft>
+              <a:buNone/>
+            </a:pPr>
+            <a:r>
+              <a:rPr lang="en" sz="1200" dirty="0">
+                <a:solidFill>
+                  <a:srgbClr val="000000"/>
+                </a:solidFill>
+              </a:rPr>
+              <a:t>Step 6: If the user chooses option 6, the user is asked for confirmation.</a:t>
+            </a:r>
+            <a:endParaRPr sz="1200" dirty="0">
+              <a:solidFill>
+                <a:srgbClr val="000000"/>
+              </a:solidFill>
+            </a:endParaRPr>
+          </a:p>
+          <a:p>
+            <a:pPr marL="0" lvl="0" indent="457200" algn="just" rtl="0">
+              <a:lnSpc>
+                <a:spcPct val="150000"/>
+              </a:lnSpc>
+              <a:spcBef>
+                <a:spcPts val="0"/>
+              </a:spcBef>
+              <a:spcAft>
+                <a:spcPts val="0"/>
+              </a:spcAft>
+              <a:buNone/>
+            </a:pPr>
+            <a:r>
+              <a:rPr lang="en" sz="1200" dirty="0">
+                <a:solidFill>
+                  <a:srgbClr val="000000"/>
+                </a:solidFill>
+              </a:rPr>
+              <a:t>Then if chosen to exit go to step 7.</a:t>
+            </a:r>
+            <a:endParaRPr sz="1200" dirty="0">
+              <a:solidFill>
+                <a:srgbClr val="000000"/>
+              </a:solidFill>
+            </a:endParaRPr>
+          </a:p>
+          <a:p>
+            <a:pPr marL="0" lvl="0" indent="0" algn="just" rtl="0">
+              <a:lnSpc>
+                <a:spcPct val="150000"/>
+              </a:lnSpc>
+              <a:spcBef>
+                <a:spcPts val="0"/>
+              </a:spcBef>
+              <a:spcAft>
+                <a:spcPts val="0"/>
+              </a:spcAft>
+              <a:buNone/>
+            </a:pPr>
+            <a:r>
+              <a:rPr lang="en" sz="1200" dirty="0">
+                <a:solidFill>
+                  <a:srgbClr val="000000"/>
+                </a:solidFill>
+              </a:rPr>
+              <a:t>	Else go to step 3.</a:t>
+            </a:r>
+            <a:endParaRPr sz="1200" dirty="0">
+              <a:solidFill>
+                <a:srgbClr val="000000"/>
+              </a:solidFill>
+            </a:endParaRPr>
+          </a:p>
+          <a:p>
+            <a:pPr marL="0" lvl="0" indent="0" algn="just" rtl="0">
+              <a:lnSpc>
+                <a:spcPct val="150000"/>
+              </a:lnSpc>
+              <a:spcBef>
+                <a:spcPts val="0"/>
+              </a:spcBef>
+              <a:spcAft>
+                <a:spcPts val="0"/>
+              </a:spcAft>
+              <a:buNone/>
+            </a:pPr>
+            <a:r>
+              <a:rPr lang="en" sz="1200" dirty="0">
+                <a:solidFill>
+                  <a:srgbClr val="000000"/>
+                </a:solidFill>
+              </a:rPr>
+              <a:t>Step 7: Stop.</a:t>
+            </a:r>
+            <a:endParaRPr sz="1200" dirty="0">
+              <a:solidFill>
+                <a:srgbClr val="000000"/>
+              </a:solidFill>
+            </a:endParaRPr>
+          </a:p>
+          <a:p>
+            <a:pPr marL="0" lvl="0" indent="0" algn="l" rtl="0">
+              <a:spcBef>
+                <a:spcPts val="0"/>
+              </a:spcBef>
+              <a:spcAft>
+                <a:spcPts val="0"/>
+              </a:spcAft>
+              <a:buNone/>
+            </a:pPr>
+            <a:endParaRPr sz="1200" dirty="0"/>
+          </a:p>
+        </p:txBody>
+      </p:sp>
     </p:spTree>
   </p:cSld>
   <p:clrMapOvr>

--- a/Ppt-on-CMS.pptx
+++ b/Ppt-on-CMS.pptx
@@ -33,15 +33,22 @@
   <p:notesSz cx="6858000" cy="9144000"/>
   <p:embeddedFontLst>
     <p:embeddedFont>
-      <p:font typeface="Proxima Nova" panose="020B0604020202020204" charset="0"/>
+      <p:font typeface="Calibri" panose="020F0502020204030204" pitchFamily="34" charset="0"/>
       <p:regular r:id="rId23"/>
       <p:bold r:id="rId24"/>
       <p:italic r:id="rId25"/>
       <p:boldItalic r:id="rId26"/>
     </p:embeddedFont>
     <p:embeddedFont>
+      <p:font typeface="Proxima Nova" panose="020B0604020202020204" charset="0"/>
+      <p:regular r:id="rId27"/>
+      <p:bold r:id="rId28"/>
+      <p:italic r:id="rId29"/>
+      <p:boldItalic r:id="rId30"/>
+    </p:embeddedFont>
+    <p:embeddedFont>
       <p:font typeface="Proxima Nova Extrabold" panose="020B0604020202020204" charset="0"/>
-      <p:bold r:id="rId27"/>
+      <p:bold r:id="rId31"/>
     </p:embeddedFont>
   </p:embeddedFontLst>
   <p:defaultTextStyle>
@@ -1123,7 +1130,7 @@
         </p:nvSpPr>
         <p:spPr>
           <a:xfrm>
-            <a:off x="381300" y="685800"/>
+            <a:off x="381000" y="685800"/>
             <a:ext cx="6096000" cy="3429000"/>
           </a:xfrm>
           <a:custGeom>
@@ -11560,7 +11567,7 @@
               <a:buNone/>
             </a:pPr>
             <a:r>
-              <a:rPr lang="en" sz="3000">
+              <a:rPr lang="en" sz="3000" dirty="0">
                 <a:latin typeface="Proxima Nova Extrabold"/>
                 <a:ea typeface="Proxima Nova Extrabold"/>
                 <a:cs typeface="Proxima Nova Extrabold"/>
@@ -11568,7 +11575,7 @@
               </a:rPr>
               <a:t>Future Scope</a:t>
             </a:r>
-            <a:endParaRPr/>
+            <a:endParaRPr dirty="0"/>
           </a:p>
         </p:txBody>
       </p:sp>
@@ -12293,8 +12300,207 @@
         </p:nvSpPr>
         <p:spPr/>
         <p:txBody>
-          <a:bodyPr/>
+          <a:bodyPr>
+            <a:normAutofit lnSpcReduction="10000"/>
+          </a:bodyPr>
           <a:lstStyle/>
+          <a:p>
+            <a:pPr marL="342900" lvl="0" indent="-342900">
+              <a:lnSpc>
+                <a:spcPct val="150000"/>
+              </a:lnSpc>
+              <a:buFont typeface="Wingdings" panose="05000000000000000000" pitchFamily="2" charset="2"/>
+              <a:buChar char=""/>
+              <a:tabLst>
+                <a:tab pos="457200" algn="l"/>
+              </a:tabLst>
+            </a:pPr>
+            <a:r>
+              <a:rPr lang="en-US" sz="1800" dirty="0">
+                <a:effectLst/>
+                <a:latin typeface="Times New Roman" panose="02020603050405020304" pitchFamily="18" charset="0"/>
+                <a:ea typeface="Times New Roman" panose="02020603050405020304" pitchFamily="18" charset="0"/>
+              </a:rPr>
+              <a:t>Valuable insights and mentorship, guidance and feedback from Seniors, Friends and Teachers</a:t>
+            </a:r>
+            <a:endParaRPr lang="en-US" sz="1800" dirty="0">
+              <a:effectLst/>
+              <a:latin typeface="Calibri" panose="020F0502020204030204" pitchFamily="34" charset="0"/>
+              <a:ea typeface="Calibri" panose="020F0502020204030204" pitchFamily="34" charset="0"/>
+            </a:endParaRPr>
+          </a:p>
+          <a:p>
+            <a:pPr marL="342900" lvl="0" indent="-342900">
+              <a:lnSpc>
+                <a:spcPct val="150000"/>
+              </a:lnSpc>
+              <a:buFont typeface="Wingdings" panose="05000000000000000000" pitchFamily="2" charset="2"/>
+              <a:buChar char=""/>
+              <a:tabLst>
+                <a:tab pos="457200" algn="l"/>
+              </a:tabLst>
+            </a:pPr>
+            <a:r>
+              <a:rPr lang="en-US" sz="1800" u="sng" dirty="0">
+                <a:solidFill>
+                  <a:srgbClr val="0563C1"/>
+                </a:solidFill>
+                <a:effectLst/>
+                <a:latin typeface="Times New Roman" panose="02020603050405020304" pitchFamily="18" charset="0"/>
+                <a:ea typeface="Times New Roman" panose="02020603050405020304" pitchFamily="18" charset="0"/>
+              </a:rPr>
+              <a:t>https://youtu.be/irqbmMNs2Bo?si=-XJ2y39l_6rwHdhs</a:t>
+            </a:r>
+            <a:endParaRPr lang="en-US" sz="1800" dirty="0">
+              <a:effectLst/>
+              <a:latin typeface="Calibri" panose="020F0502020204030204" pitchFamily="34" charset="0"/>
+              <a:ea typeface="Calibri" panose="020F0502020204030204" pitchFamily="34" charset="0"/>
+            </a:endParaRPr>
+          </a:p>
+          <a:p>
+            <a:pPr marL="342900" lvl="0" indent="-342900">
+              <a:lnSpc>
+                <a:spcPct val="150000"/>
+              </a:lnSpc>
+              <a:buFont typeface="Wingdings" panose="05000000000000000000" pitchFamily="2" charset="2"/>
+              <a:buChar char=""/>
+              <a:tabLst>
+                <a:tab pos="457200" algn="l"/>
+              </a:tabLst>
+            </a:pPr>
+            <a:r>
+              <a:rPr lang="en-US" sz="1800" u="sng" dirty="0">
+                <a:solidFill>
+                  <a:srgbClr val="0563C1"/>
+                </a:solidFill>
+                <a:effectLst/>
+                <a:latin typeface="Times New Roman" panose="02020603050405020304" pitchFamily="18" charset="0"/>
+                <a:ea typeface="Times New Roman" panose="02020603050405020304" pitchFamily="18" charset="0"/>
+                <a:hlinkClick r:id="rId2"/>
+              </a:rPr>
+              <a:t>www.w3schools.com</a:t>
+            </a:r>
+            <a:endParaRPr lang="en-US" sz="1800" dirty="0">
+              <a:effectLst/>
+              <a:latin typeface="Calibri" panose="020F0502020204030204" pitchFamily="34" charset="0"/>
+              <a:ea typeface="Calibri" panose="020F0502020204030204" pitchFamily="34" charset="0"/>
+            </a:endParaRPr>
+          </a:p>
+          <a:p>
+            <a:pPr marL="342900" lvl="0" indent="-342900">
+              <a:lnSpc>
+                <a:spcPct val="150000"/>
+              </a:lnSpc>
+              <a:buFont typeface="Wingdings" panose="05000000000000000000" pitchFamily="2" charset="2"/>
+              <a:buChar char=""/>
+              <a:tabLst>
+                <a:tab pos="457200" algn="l"/>
+              </a:tabLst>
+            </a:pPr>
+            <a:r>
+              <a:rPr lang="en-US" sz="1800" u="sng" dirty="0">
+                <a:solidFill>
+                  <a:srgbClr val="0563C1"/>
+                </a:solidFill>
+                <a:effectLst/>
+                <a:latin typeface="Times New Roman" panose="02020603050405020304" pitchFamily="18" charset="0"/>
+                <a:ea typeface="Times New Roman" panose="02020603050405020304" pitchFamily="18" charset="0"/>
+                <a:hlinkClick r:id="rId3"/>
+              </a:rPr>
+              <a:t>www.sites.google.com/site/completelearning.com</a:t>
+            </a:r>
+            <a:endParaRPr lang="en-US" sz="1800" dirty="0">
+              <a:effectLst/>
+              <a:latin typeface="Calibri" panose="020F0502020204030204" pitchFamily="34" charset="0"/>
+              <a:ea typeface="Calibri" panose="020F0502020204030204" pitchFamily="34" charset="0"/>
+            </a:endParaRPr>
+          </a:p>
+          <a:p>
+            <a:pPr marL="342900" lvl="0" indent="-342900">
+              <a:lnSpc>
+                <a:spcPct val="150000"/>
+              </a:lnSpc>
+              <a:buFont typeface="Wingdings" panose="05000000000000000000" pitchFamily="2" charset="2"/>
+              <a:buChar char=""/>
+              <a:tabLst>
+                <a:tab pos="457200" algn="l"/>
+              </a:tabLst>
+            </a:pPr>
+            <a:r>
+              <a:rPr lang="en-US" sz="1800" u="sng" dirty="0">
+                <a:solidFill>
+                  <a:srgbClr val="0563C1"/>
+                </a:solidFill>
+                <a:effectLst/>
+                <a:latin typeface="Times New Roman" panose="02020603050405020304" pitchFamily="18" charset="0"/>
+                <a:ea typeface="Times New Roman" panose="02020603050405020304" pitchFamily="18" charset="0"/>
+                <a:hlinkClick r:id="rId4"/>
+              </a:rPr>
+              <a:t>www.sourcecodesworld.com</a:t>
+            </a:r>
+            <a:endParaRPr lang="en-US" sz="1800" dirty="0">
+              <a:effectLst/>
+              <a:latin typeface="Calibri" panose="020F0502020204030204" pitchFamily="34" charset="0"/>
+              <a:ea typeface="Calibri" panose="020F0502020204030204" pitchFamily="34" charset="0"/>
+            </a:endParaRPr>
+          </a:p>
+          <a:p>
+            <a:pPr marL="342900" lvl="0" indent="-342900">
+              <a:lnSpc>
+                <a:spcPct val="150000"/>
+              </a:lnSpc>
+              <a:buFont typeface="Wingdings" panose="05000000000000000000" pitchFamily="2" charset="2"/>
+              <a:buChar char=""/>
+              <a:tabLst>
+                <a:tab pos="457200" algn="l"/>
+              </a:tabLst>
+            </a:pPr>
+            <a:r>
+              <a:rPr lang="en-US" sz="1800" u="sng" dirty="0">
+                <a:solidFill>
+                  <a:srgbClr val="0563C1"/>
+                </a:solidFill>
+                <a:effectLst/>
+                <a:latin typeface="Times New Roman" panose="02020603050405020304" pitchFamily="18" charset="0"/>
+                <a:ea typeface="Times New Roman" panose="02020603050405020304" pitchFamily="18" charset="0"/>
+                <a:hlinkClick r:id="rId5"/>
+              </a:rPr>
+              <a:t>www.cprogramming.com</a:t>
+            </a:r>
+            <a:endParaRPr lang="en-US" sz="1800" dirty="0">
+              <a:effectLst/>
+              <a:latin typeface="Calibri" panose="020F0502020204030204" pitchFamily="34" charset="0"/>
+              <a:ea typeface="Calibri" panose="020F0502020204030204" pitchFamily="34" charset="0"/>
+            </a:endParaRPr>
+          </a:p>
+          <a:p>
+            <a:pPr marL="342900" lvl="0" indent="-342900">
+              <a:lnSpc>
+                <a:spcPct val="150000"/>
+              </a:lnSpc>
+              <a:buFont typeface="Wingdings" panose="05000000000000000000" pitchFamily="2" charset="2"/>
+              <a:buChar char=""/>
+              <a:tabLst>
+                <a:tab pos="457200" algn="l"/>
+              </a:tabLst>
+            </a:pPr>
+            <a:r>
+              <a:rPr lang="en-US" sz="1800" u="sng" dirty="0">
+                <a:solidFill>
+                  <a:srgbClr val="0563C1"/>
+                </a:solidFill>
+                <a:effectLst/>
+                <a:latin typeface="Times New Roman" panose="02020603050405020304" pitchFamily="18" charset="0"/>
+                <a:ea typeface="Times New Roman" panose="02020603050405020304" pitchFamily="18" charset="0"/>
+              </a:rPr>
+              <a:t>WWW.programiz.com</a:t>
+            </a:r>
+            <a:endParaRPr lang="en-US" sz="1800" dirty="0">
+              <a:effectLst/>
+              <a:latin typeface="Calibri" panose="020F0502020204030204" pitchFamily="34" charset="0"/>
+              <a:ea typeface="Calibri" panose="020F0502020204030204" pitchFamily="34" charset="0"/>
+            </a:endParaRPr>
+          </a:p>
           <a:p>
             <a:endParaRPr lang="en-US" dirty="0"/>
           </a:p>
@@ -12407,7 +12613,7 @@
         </p:blipFill>
         <p:spPr>
           <a:xfrm>
-            <a:off x="2473891" y="633347"/>
+            <a:off x="2951330" y="633347"/>
             <a:ext cx="5880970" cy="3876806"/>
           </a:xfrm>
           <a:prstGeom prst="rect">

--- a/Ppt-on-CMS.pptx
+++ b/Ppt-on-CMS.pptx
@@ -12566,31 +12566,6 @@
           </a:p>
         </p:txBody>
       </p:sp>
-      <p:sp>
-        <p:nvSpPr>
-          <p:cNvPr id="3" name="Text Placeholder 2">
-            <a:extLst>
-              <a:ext uri="{FF2B5EF4-FFF2-40B4-BE49-F238E27FC236}">
-                <a16:creationId xmlns:a16="http://schemas.microsoft.com/office/drawing/2014/main" id="{37E4EB6F-2BB6-07FE-72E9-DD3402170EEC}"/>
-              </a:ext>
-            </a:extLst>
-          </p:cNvPr>
-          <p:cNvSpPr>
-            <a:spLocks noGrp="1"/>
-          </p:cNvSpPr>
-          <p:nvPr>
-            <p:ph type="body" idx="1"/>
-          </p:nvPr>
-        </p:nvSpPr>
-        <p:spPr/>
-        <p:txBody>
-          <a:bodyPr/>
-          <a:lstStyle/>
-          <a:p>
-            <a:endParaRPr lang="en-US" dirty="0"/>
-          </a:p>
-        </p:txBody>
-      </p:sp>
       <p:pic>
         <p:nvPicPr>
           <p:cNvPr id="5" name="Picture 4" descr="A hand touching a screen&#10;&#10;Description automatically generated">
@@ -12613,8 +12588,8 @@
         </p:blipFill>
         <p:spPr>
           <a:xfrm>
-            <a:off x="2951330" y="633347"/>
-            <a:ext cx="5880970" cy="3876806"/>
+            <a:off x="2162190" y="570717"/>
+            <a:ext cx="6205196" cy="4127758"/>
           </a:xfrm>
           <a:prstGeom prst="rect">
             <a:avLst/>
